--- a/finalPresentation/Part 2/part2.pptx
+++ b/finalPresentation/Part 2/part2.pptx
@@ -262,7 +262,7 @@
           <a:p>
             <a:fld id="{0A055084-1CB9-CF40-93F3-663EB9ADEB9C}" type="datetimeFigureOut">
               <a:rPr lang="it-IT" smtClean="0"/>
-              <a:t>23/06/16</a:t>
+              <a:t>23/06/2016</a:t>
             </a:fld>
             <a:endParaRPr lang="it-IT"/>
           </a:p>
@@ -326,38 +326,37 @@
           <a:p>
             <a:pPr lvl="0"/>
             <a:r>
-              <a:rPr lang="it-IT" smtClean="0"/>
+              <a:rPr lang="it-IT"/>
               <a:t>Fare clic per modificare gli stili del testo dello schema</a:t>
             </a:r>
           </a:p>
           <a:p>
             <a:pPr lvl="1"/>
             <a:r>
-              <a:rPr lang="it-IT" smtClean="0"/>
+              <a:rPr lang="it-IT"/>
               <a:t>Secondo livello</a:t>
             </a:r>
           </a:p>
           <a:p>
             <a:pPr lvl="2"/>
             <a:r>
-              <a:rPr lang="it-IT" smtClean="0"/>
+              <a:rPr lang="it-IT"/>
               <a:t>Terzo livello</a:t>
             </a:r>
           </a:p>
           <a:p>
             <a:pPr lvl="3"/>
             <a:r>
-              <a:rPr lang="it-IT" smtClean="0"/>
+              <a:rPr lang="it-IT"/>
               <a:t>Quarto livello</a:t>
             </a:r>
           </a:p>
           <a:p>
             <a:pPr lvl="4"/>
             <a:r>
-              <a:rPr lang="it-IT" smtClean="0"/>
+              <a:rPr lang="it-IT"/>
               <a:t>Quinto livello</a:t>
             </a:r>
-            <a:endParaRPr lang="it-IT"/>
           </a:p>
         </p:txBody>
       </p:sp>
@@ -563,10 +562,9 @@
           <a:lstStyle/>
           <a:p>
             <a:r>
-              <a:rPr lang="it-IT" smtClean="0"/>
+              <a:rPr lang="it-IT"/>
               <a:t>Fare clic per modificare lo stile del titolo</a:t>
             </a:r>
-            <a:endParaRPr lang="it-IT"/>
           </a:p>
         </p:txBody>
       </p:sp>
@@ -587,38 +585,37 @@
           <a:p>
             <a:pPr lvl="0"/>
             <a:r>
-              <a:rPr lang="it-IT" smtClean="0"/>
+              <a:rPr lang="it-IT"/>
               <a:t>Fare clic per modificare stili del testo dello schema</a:t>
             </a:r>
           </a:p>
           <a:p>
             <a:pPr lvl="1"/>
             <a:r>
-              <a:rPr lang="it-IT" smtClean="0"/>
+              <a:rPr lang="it-IT"/>
               <a:t>Secondo livello</a:t>
             </a:r>
           </a:p>
           <a:p>
             <a:pPr lvl="2"/>
             <a:r>
-              <a:rPr lang="it-IT" smtClean="0"/>
+              <a:rPr lang="it-IT"/>
               <a:t>Terzo livello</a:t>
             </a:r>
           </a:p>
           <a:p>
             <a:pPr lvl="3"/>
             <a:r>
-              <a:rPr lang="it-IT" smtClean="0"/>
+              <a:rPr lang="it-IT"/>
               <a:t>Quarto livello</a:t>
             </a:r>
           </a:p>
           <a:p>
             <a:pPr lvl="4"/>
             <a:r>
-              <a:rPr lang="it-IT" smtClean="0"/>
+              <a:rPr lang="it-IT"/>
               <a:t>Quinto livello</a:t>
             </a:r>
-            <a:endParaRPr lang="it-IT"/>
           </a:p>
         </p:txBody>
       </p:sp>
@@ -644,38 +641,37 @@
           <a:p>
             <a:pPr lvl="0"/>
             <a:r>
-              <a:rPr lang="it-IT" smtClean="0"/>
+              <a:rPr lang="it-IT"/>
               <a:t>Fare clic per modificare gli stili del testo dello schema</a:t>
             </a:r>
           </a:p>
           <a:p>
             <a:pPr lvl="1"/>
             <a:r>
-              <a:rPr lang="it-IT" smtClean="0"/>
+              <a:rPr lang="it-IT"/>
               <a:t>Secondo livello</a:t>
             </a:r>
           </a:p>
           <a:p>
             <a:pPr lvl="2"/>
             <a:r>
-              <a:rPr lang="it-IT" smtClean="0"/>
+              <a:rPr lang="it-IT"/>
               <a:t>Terzo livello</a:t>
             </a:r>
           </a:p>
           <a:p>
             <a:pPr lvl="3"/>
             <a:r>
-              <a:rPr lang="it-IT" smtClean="0"/>
+              <a:rPr lang="it-IT"/>
               <a:t>Quarto livello</a:t>
             </a:r>
           </a:p>
           <a:p>
             <a:pPr lvl="4"/>
             <a:r>
-              <a:rPr lang="it-IT" smtClean="0"/>
+              <a:rPr lang="it-IT"/>
               <a:t>Quinto livello</a:t>
             </a:r>
-            <a:endParaRPr lang="it-IT"/>
           </a:p>
         </p:txBody>
       </p:sp>
@@ -733,10 +729,9 @@
           <a:lstStyle/>
           <a:p>
             <a:r>
-              <a:rPr lang="it-IT" smtClean="0"/>
+              <a:rPr lang="it-IT"/>
               <a:t>Fare clic sull'icona per inserire un clip multimediale</a:t>
             </a:r>
-            <a:endParaRPr lang="it-IT"/>
           </a:p>
         </p:txBody>
       </p:sp>
@@ -791,7 +786,7 @@
           <a:p>
             <a:pPr lvl="0"/>
             <a:r>
-              <a:rPr lang="it-IT" dirty="0" smtClean="0"/>
+              <a:rPr lang="it-IT" dirty="0"/>
               <a:t>Titolo Diapositiva</a:t>
             </a:r>
           </a:p>
@@ -851,10 +846,9 @@
           <a:lstStyle/>
           <a:p>
             <a:r>
-              <a:rPr lang="it-IT" smtClean="0"/>
+              <a:rPr lang="it-IT"/>
               <a:t>Trascinare l'immagine su un segnaposto o fare clic sull'icona per aggiungerla</a:t>
             </a:r>
-            <a:endParaRPr lang="it-IT"/>
           </a:p>
         </p:txBody>
       </p:sp>
@@ -909,7 +903,7 @@
           <a:p>
             <a:pPr lvl="0"/>
             <a:r>
-              <a:rPr lang="it-IT" dirty="0" smtClean="0"/>
+              <a:rPr lang="it-IT" dirty="0"/>
               <a:t>Titolo Diapositiva</a:t>
             </a:r>
           </a:p>
@@ -961,10 +955,9 @@
           <a:lstStyle/>
           <a:p>
             <a:r>
-              <a:rPr lang="it-IT" smtClean="0"/>
+              <a:rPr lang="it-IT"/>
               <a:t>Fare clic per modificare stile</a:t>
             </a:r>
-            <a:endParaRPr lang="it-IT"/>
           </a:p>
         </p:txBody>
       </p:sp>
@@ -985,38 +978,37 @@
           <a:p>
             <a:pPr lvl="0"/>
             <a:r>
-              <a:rPr lang="it-IT" smtClean="0"/>
+              <a:rPr lang="it-IT"/>
               <a:t>Fare clic per modificare gli stili del testo dello schema</a:t>
             </a:r>
           </a:p>
           <a:p>
             <a:pPr lvl="1"/>
             <a:r>
-              <a:rPr lang="it-IT" smtClean="0"/>
+              <a:rPr lang="it-IT"/>
               <a:t>Secondo livello</a:t>
             </a:r>
           </a:p>
           <a:p>
             <a:pPr lvl="2"/>
             <a:r>
-              <a:rPr lang="it-IT" smtClean="0"/>
+              <a:rPr lang="it-IT"/>
               <a:t>Terzo livello</a:t>
             </a:r>
           </a:p>
           <a:p>
             <a:pPr lvl="3"/>
             <a:r>
-              <a:rPr lang="it-IT" smtClean="0"/>
+              <a:rPr lang="it-IT"/>
               <a:t>Quarto livello</a:t>
             </a:r>
           </a:p>
           <a:p>
             <a:pPr lvl="4"/>
             <a:r>
-              <a:rPr lang="it-IT" smtClean="0"/>
+              <a:rPr lang="it-IT"/>
               <a:t>Quinto livello</a:t>
             </a:r>
-            <a:endParaRPr lang="it-IT"/>
           </a:p>
         </p:txBody>
       </p:sp>
@@ -1042,38 +1034,37 @@
           <a:p>
             <a:pPr lvl="0"/>
             <a:r>
-              <a:rPr lang="it-IT" smtClean="0"/>
+              <a:rPr lang="it-IT"/>
               <a:t>Fare clic per modificare gli stili del testo dello schema</a:t>
             </a:r>
           </a:p>
           <a:p>
             <a:pPr lvl="1"/>
             <a:r>
-              <a:rPr lang="it-IT" smtClean="0"/>
+              <a:rPr lang="it-IT"/>
               <a:t>Secondo livello</a:t>
             </a:r>
           </a:p>
           <a:p>
             <a:pPr lvl="2"/>
             <a:r>
-              <a:rPr lang="it-IT" smtClean="0"/>
+              <a:rPr lang="it-IT"/>
               <a:t>Terzo livello</a:t>
             </a:r>
           </a:p>
           <a:p>
             <a:pPr lvl="3"/>
             <a:r>
-              <a:rPr lang="it-IT" smtClean="0"/>
+              <a:rPr lang="it-IT"/>
               <a:t>Quarto livello</a:t>
             </a:r>
           </a:p>
           <a:p>
             <a:pPr lvl="4"/>
             <a:r>
-              <a:rPr lang="it-IT" smtClean="0"/>
+              <a:rPr lang="it-IT"/>
               <a:t>Quinto livello</a:t>
             </a:r>
-            <a:endParaRPr lang="it-IT"/>
           </a:p>
         </p:txBody>
       </p:sp>
@@ -1123,10 +1114,9 @@
           <a:lstStyle/>
           <a:p>
             <a:r>
-              <a:rPr lang="it-IT" smtClean="0"/>
+              <a:rPr lang="it-IT"/>
               <a:t>Fare clic per modificare stile</a:t>
             </a:r>
-            <a:endParaRPr lang="it-IT"/>
           </a:p>
         </p:txBody>
       </p:sp>
@@ -1206,10 +1196,9 @@
           <a:lstStyle/>
           <a:p>
             <a:r>
-              <a:rPr lang="it-IT" smtClean="0"/>
+              <a:rPr lang="it-IT"/>
               <a:t>Fare clic per modificare lo stile del titolo</a:t>
             </a:r>
-            <a:endParaRPr lang="it-IT"/>
           </a:p>
         </p:txBody>
       </p:sp>
@@ -1324,7 +1313,7 @@
           <a:p>
             <a:pPr lvl="0"/>
             <a:r>
-              <a:rPr lang="it-IT" dirty="0" smtClean="0"/>
+              <a:rPr lang="it-IT" dirty="0"/>
               <a:t>Titolo Diapositiva</a:t>
             </a:r>
           </a:p>
@@ -1411,7 +1400,7 @@
           <a:p>
             <a:pPr lvl="0"/>
             <a:r>
-              <a:rPr lang="it-IT" dirty="0" smtClean="0"/>
+              <a:rPr lang="it-IT" dirty="0"/>
               <a:t>Titolo Diapositiva</a:t>
             </a:r>
           </a:p>
@@ -1478,35 +1467,35 @@
           <a:p>
             <a:pPr lvl="0"/>
             <a:r>
-              <a:rPr lang="it-IT" smtClean="0"/>
+              <a:rPr lang="it-IT"/>
               <a:t>Fare clic per modificare gli stili del testo dello schema</a:t>
             </a:r>
           </a:p>
           <a:p>
             <a:pPr lvl="1"/>
             <a:r>
-              <a:rPr lang="it-IT" smtClean="0"/>
+              <a:rPr lang="it-IT"/>
               <a:t>Secondo livello</a:t>
             </a:r>
           </a:p>
           <a:p>
             <a:pPr lvl="2"/>
             <a:r>
-              <a:rPr lang="it-IT" smtClean="0"/>
+              <a:rPr lang="it-IT"/>
               <a:t>Terzo livello</a:t>
             </a:r>
           </a:p>
           <a:p>
             <a:pPr lvl="3"/>
             <a:r>
-              <a:rPr lang="it-IT" smtClean="0"/>
+              <a:rPr lang="it-IT"/>
               <a:t>Quarto livello</a:t>
             </a:r>
           </a:p>
           <a:p>
             <a:pPr lvl="4"/>
             <a:r>
-              <a:rPr lang="it-IT" smtClean="0"/>
+              <a:rPr lang="it-IT"/>
               <a:t>Quinto livello</a:t>
             </a:r>
             <a:endParaRPr lang="it-IT" dirty="0"/>
@@ -1567,10 +1556,9 @@
           <a:lstStyle/>
           <a:p>
             <a:r>
-              <a:rPr lang="it-IT" smtClean="0"/>
+              <a:rPr lang="it-IT"/>
               <a:t>Fare clic sull'icona per inserire un clip multimediale</a:t>
             </a:r>
-            <a:endParaRPr lang="it-IT"/>
           </a:p>
         </p:txBody>
       </p:sp>
@@ -1625,7 +1613,7 @@
           <a:p>
             <a:pPr lvl="0"/>
             <a:r>
-              <a:rPr lang="it-IT" dirty="0" smtClean="0"/>
+              <a:rPr lang="it-IT" dirty="0"/>
               <a:t>Titolo Diapositiva</a:t>
             </a:r>
           </a:p>
@@ -1685,10 +1673,9 @@
           <a:lstStyle/>
           <a:p>
             <a:r>
-              <a:rPr lang="it-IT" smtClean="0"/>
+              <a:rPr lang="it-IT"/>
               <a:t>Trascinare l'immagine su un segnaposto o fare clic sull'icona per aggiungerla</a:t>
             </a:r>
-            <a:endParaRPr lang="it-IT"/>
           </a:p>
         </p:txBody>
       </p:sp>
@@ -1743,7 +1730,7 @@
           <a:p>
             <a:pPr lvl="0"/>
             <a:r>
-              <a:rPr lang="it-IT" dirty="0" smtClean="0"/>
+              <a:rPr lang="it-IT" dirty="0"/>
               <a:t>Titolo Diapositiva</a:t>
             </a:r>
           </a:p>
@@ -1830,7 +1817,7 @@
           <a:p>
             <a:pPr lvl="0"/>
             <a:r>
-              <a:rPr lang="it-IT" dirty="0" smtClean="0"/>
+              <a:rPr lang="it-IT" dirty="0"/>
               <a:t>Titolo Diapositiva</a:t>
             </a:r>
           </a:p>
@@ -1917,7 +1904,7 @@
           <a:p>
             <a:pPr lvl="0"/>
             <a:r>
-              <a:rPr lang="it-IT" dirty="0" smtClean="0"/>
+              <a:rPr lang="it-IT" dirty="0"/>
               <a:t>Titolo Diapositiva</a:t>
             </a:r>
           </a:p>
@@ -1984,35 +1971,35 @@
           <a:p>
             <a:pPr lvl="0"/>
             <a:r>
-              <a:rPr lang="it-IT" smtClean="0"/>
+              <a:rPr lang="it-IT"/>
               <a:t>Fare clic per modificare gli stili del testo dello schema</a:t>
             </a:r>
           </a:p>
           <a:p>
             <a:pPr lvl="1"/>
             <a:r>
-              <a:rPr lang="it-IT" smtClean="0"/>
+              <a:rPr lang="it-IT"/>
               <a:t>Secondo livello</a:t>
             </a:r>
           </a:p>
           <a:p>
             <a:pPr lvl="2"/>
             <a:r>
-              <a:rPr lang="it-IT" smtClean="0"/>
+              <a:rPr lang="it-IT"/>
               <a:t>Terzo livello</a:t>
             </a:r>
           </a:p>
           <a:p>
             <a:pPr lvl="3"/>
             <a:r>
-              <a:rPr lang="it-IT" smtClean="0"/>
+              <a:rPr lang="it-IT"/>
               <a:t>Quarto livello</a:t>
             </a:r>
           </a:p>
           <a:p>
             <a:pPr lvl="4"/>
             <a:r>
-              <a:rPr lang="it-IT" smtClean="0"/>
+              <a:rPr lang="it-IT"/>
               <a:t>Quinto livello</a:t>
             </a:r>
             <a:endParaRPr lang="it-IT" dirty="0"/>
@@ -2066,7 +2053,7 @@
           <p:nvPr/>
         </p:nvPicPr>
         <p:blipFill>
-          <a:blip r:embed="rId5" cstate="print">
+          <a:blip r:embed="rId5" cstate="email">
             <a:extLst>
               <a:ext uri="{28A0092B-C50C-407E-A947-70E740481C1C}">
                 <a14:useLocalDpi xmlns:a14="http://schemas.microsoft.com/office/drawing/2010/main" val="0"/>
@@ -2092,14 +2079,14 @@
           </a:ln>
           <a:extLst>
             <a:ext uri="{909E8E84-426E-40dd-AFC4-6F175D3DCCD1}">
-              <a14:hiddenFill xmlns:a14="http://schemas.microsoft.com/office/drawing/2010/main" xmlns="">
+              <a14:hiddenFill xmlns="" xmlns:a14="http://schemas.microsoft.com/office/drawing/2010/main">
                 <a:solidFill>
                   <a:srgbClr val="FFFFFF"/>
                 </a:solidFill>
               </a14:hiddenFill>
             </a:ext>
             <a:ext uri="{91240B29-F687-4f45-9708-019B960494DF}">
-              <a14:hiddenLine xmlns:a14="http://schemas.microsoft.com/office/drawing/2010/main" xmlns="" w="9525">
+              <a14:hiddenLine xmlns="" xmlns:a14="http://schemas.microsoft.com/office/drawing/2010/main" w="9525">
                 <a:solidFill>
                   <a:srgbClr val="000000"/>
                 </a:solidFill>
@@ -2177,17 +2164,17 @@
           </a:ln>
           <a:extLst>
             <a:ext uri="{FAA26D3D-D897-4be2-8F04-BA451C77F1D7}">
-              <ma14:placeholderFlag xmlns:ma14="http://schemas.microsoft.com/office/mac/drawingml/2011/main" val="1"/>
+              <ma14:placeholderFlag xmlns:ma14="http://schemas.microsoft.com/office/mac/drawingml/2011/main" xmlns="" val="1"/>
             </a:ext>
             <a:ext uri="{909E8E84-426E-40dd-AFC4-6F175D3DCCD1}">
-              <a14:hiddenFill xmlns:a14="http://schemas.microsoft.com/office/drawing/2010/main" xmlns="">
+              <a14:hiddenFill xmlns="" xmlns:a14="http://schemas.microsoft.com/office/drawing/2010/main">
                 <a:solidFill>
                   <a:srgbClr val="FFFFFF"/>
                 </a:solidFill>
               </a14:hiddenFill>
             </a:ext>
             <a:ext uri="{91240B29-F687-4f45-9708-019B960494DF}">
-              <a14:hiddenLine xmlns:a14="http://schemas.microsoft.com/office/drawing/2010/main" xmlns="" w="9525">
+              <a14:hiddenLine xmlns="" xmlns:a14="http://schemas.microsoft.com/office/drawing/2010/main" w="9525">
                 <a:solidFill>
                   <a:srgbClr val="000000"/>
                 </a:solidFill>
@@ -2209,13 +2196,8 @@
             <a:pPr lvl="0"/>
             <a:r>
               <a:rPr lang="it-IT" dirty="0"/>
-              <a:t>Titolo </a:t>
-            </a:r>
-            <a:r>
-              <a:rPr lang="it-IT" dirty="0" smtClean="0"/>
-              <a:t>Presentazione</a:t>
-            </a:r>
-            <a:endParaRPr lang="it-IT" dirty="0"/>
+              <a:t>Titolo Presentazione</a:t>
+            </a:r>
           </a:p>
         </p:txBody>
       </p:sp>
@@ -2243,17 +2225,17 @@
           </a:ln>
           <a:extLst>
             <a:ext uri="{FAA26D3D-D897-4be2-8F04-BA451C77F1D7}">
-              <ma14:placeholderFlag xmlns:ma14="http://schemas.microsoft.com/office/mac/drawingml/2011/main" val="1"/>
+              <ma14:placeholderFlag xmlns:ma14="http://schemas.microsoft.com/office/mac/drawingml/2011/main" xmlns="" val="1"/>
             </a:ext>
             <a:ext uri="{909E8E84-426E-40dd-AFC4-6F175D3DCCD1}">
-              <a14:hiddenFill xmlns:a14="http://schemas.microsoft.com/office/drawing/2010/main" xmlns="">
+              <a14:hiddenFill xmlns="" xmlns:a14="http://schemas.microsoft.com/office/drawing/2010/main">
                 <a:solidFill>
                   <a:srgbClr val="FFFFFF"/>
                 </a:solidFill>
               </a14:hiddenFill>
             </a:ext>
             <a:ext uri="{91240B29-F687-4f45-9708-019B960494DF}">
-              <a14:hiddenLine xmlns:a14="http://schemas.microsoft.com/office/drawing/2010/main" xmlns="" w="9525">
+              <a14:hiddenLine xmlns="" xmlns:a14="http://schemas.microsoft.com/office/drawing/2010/main" w="9525">
                 <a:solidFill>
                   <a:srgbClr val="000000"/>
                 </a:solidFill>
@@ -2755,14 +2737,14 @@
           <a:effectLst/>
           <a:extLst>
             <a:ext uri="{909E8E84-426E-40dd-AFC4-6F175D3DCCD1}">
-              <a14:hiddenFill xmlns:a14="http://schemas.microsoft.com/office/drawing/2010/main" xmlns="">
+              <a14:hiddenFill xmlns="" xmlns:a14="http://schemas.microsoft.com/office/drawing/2010/main">
                 <a:solidFill>
                   <a:schemeClr val="accent1"/>
                 </a:solidFill>
               </a14:hiddenFill>
             </a:ext>
             <a:ext uri="{91240B29-F687-4f45-9708-019B960494DF}">
-              <a14:hiddenLine xmlns:a14="http://schemas.microsoft.com/office/drawing/2010/main" xmlns="" w="9525">
+              <a14:hiddenLine xmlns="" xmlns:a14="http://schemas.microsoft.com/office/drawing/2010/main" w="9525">
                 <a:solidFill>
                   <a:srgbClr val="FF6600"/>
                 </a:solidFill>
@@ -2772,7 +2754,7 @@
               </a14:hiddenLine>
             </a:ext>
             <a:ext uri="{AF507438-7753-43e0-B8FC-AC1667EBCBE1}">
-              <a14:hiddenEffects xmlns:a14="http://schemas.microsoft.com/office/drawing/2010/main" xmlns="">
+              <a14:hiddenEffects xmlns="" xmlns:a14="http://schemas.microsoft.com/office/drawing/2010/main">
                 <a:effectLst>
                   <a:outerShdw blurRad="63500" dist="38099" dir="2700000" algn="ctr" rotWithShape="0">
                     <a:schemeClr val="bg2">
@@ -2865,7 +2847,7 @@
               <a:defRPr/>
             </a:pPr>
             <a:r>
-              <a:rPr kumimoji="0" lang="it-IT" sz="1200" b="0" i="0" u="none" strike="noStrike" kern="0" cap="none" spc="0" normalizeH="0" baseline="0" noProof="0" dirty="0" smtClean="0">
+              <a:rPr kumimoji="0" lang="it-IT" sz="1200" b="0" i="0" u="none" strike="noStrike" kern="0" cap="none" spc="0" normalizeH="0" baseline="0" noProof="0" dirty="0">
                 <a:ln>
                   <a:noFill/>
                 </a:ln>
@@ -2878,17 +2860,6 @@
               </a:rPr>
               <a:t>Tesi di Laurea Magistrale – Nome Cognome</a:t>
             </a:r>
-            <a:endParaRPr kumimoji="0" lang="it-IT" sz="1200" b="0" i="0" u="none" strike="noStrike" kern="0" cap="none" spc="0" normalizeH="0" baseline="0" noProof="0" dirty="0">
-              <a:ln>
-                <a:noFill/>
-              </a:ln>
-              <a:solidFill>
-                <a:srgbClr val="003F6E"/>
-              </a:solidFill>
-              <a:effectLst/>
-              <a:uLnTx/>
-              <a:uFillTx/>
-            </a:endParaRPr>
           </a:p>
         </p:txBody>
       </p:sp>
@@ -3325,7 +3296,7 @@
           <p:nvPr/>
         </p:nvPicPr>
         <p:blipFill>
-          <a:blip r:embed="rId5" cstate="print">
+          <a:blip r:embed="rId5" cstate="email">
             <a:extLst>
               <a:ext uri="{28A0092B-C50C-407E-A947-70E740481C1C}">
                 <a14:useLocalDpi xmlns:a14="http://schemas.microsoft.com/office/drawing/2010/main" val="0"/>
@@ -3351,14 +3322,14 @@
           </a:ln>
           <a:extLst>
             <a:ext uri="{909E8E84-426E-40dd-AFC4-6F175D3DCCD1}">
-              <a14:hiddenFill xmlns:a14="http://schemas.microsoft.com/office/drawing/2010/main" xmlns="">
+              <a14:hiddenFill xmlns="" xmlns:a14="http://schemas.microsoft.com/office/drawing/2010/main">
                 <a:solidFill>
                   <a:srgbClr val="FFFFFF"/>
                 </a:solidFill>
               </a14:hiddenFill>
             </a:ext>
             <a:ext uri="{91240B29-F687-4f45-9708-019B960494DF}">
-              <a14:hiddenLine xmlns:a14="http://schemas.microsoft.com/office/drawing/2010/main" xmlns="" w="9525">
+              <a14:hiddenLine xmlns="" xmlns:a14="http://schemas.microsoft.com/office/drawing/2010/main" w="9525">
                 <a:solidFill>
                   <a:srgbClr val="000000"/>
                 </a:solidFill>
@@ -3436,17 +3407,17 @@
           </a:ln>
           <a:extLst>
             <a:ext uri="{FAA26D3D-D897-4be2-8F04-BA451C77F1D7}">
-              <ma14:placeholderFlag xmlns:ma14="http://schemas.microsoft.com/office/mac/drawingml/2011/main" val="1"/>
+              <ma14:placeholderFlag xmlns:ma14="http://schemas.microsoft.com/office/mac/drawingml/2011/main" xmlns="" val="1"/>
             </a:ext>
             <a:ext uri="{909E8E84-426E-40dd-AFC4-6F175D3DCCD1}">
-              <a14:hiddenFill xmlns:a14="http://schemas.microsoft.com/office/drawing/2010/main" xmlns="">
+              <a14:hiddenFill xmlns="" xmlns:a14="http://schemas.microsoft.com/office/drawing/2010/main">
                 <a:solidFill>
                   <a:srgbClr val="FFFFFF"/>
                 </a:solidFill>
               </a14:hiddenFill>
             </a:ext>
             <a:ext uri="{91240B29-F687-4f45-9708-019B960494DF}">
-              <a14:hiddenLine xmlns:a14="http://schemas.microsoft.com/office/drawing/2010/main" xmlns="" w="9525">
+              <a14:hiddenLine xmlns="" xmlns:a14="http://schemas.microsoft.com/office/drawing/2010/main" w="9525">
                 <a:solidFill>
                   <a:srgbClr val="000000"/>
                 </a:solidFill>
@@ -3468,13 +3439,8 @@
             <a:pPr lvl="0"/>
             <a:r>
               <a:rPr lang="it-IT" dirty="0"/>
-              <a:t>Titolo </a:t>
-            </a:r>
-            <a:r>
-              <a:rPr lang="it-IT" dirty="0" smtClean="0"/>
-              <a:t>Presentazione</a:t>
-            </a:r>
-            <a:endParaRPr lang="it-IT" dirty="0"/>
+              <a:t>Titolo Presentazione</a:t>
+            </a:r>
           </a:p>
         </p:txBody>
       </p:sp>
@@ -3502,17 +3468,17 @@
           </a:ln>
           <a:extLst>
             <a:ext uri="{FAA26D3D-D897-4be2-8F04-BA451C77F1D7}">
-              <ma14:placeholderFlag xmlns:ma14="http://schemas.microsoft.com/office/mac/drawingml/2011/main" val="1"/>
+              <ma14:placeholderFlag xmlns:ma14="http://schemas.microsoft.com/office/mac/drawingml/2011/main" xmlns="" val="1"/>
             </a:ext>
             <a:ext uri="{909E8E84-426E-40dd-AFC4-6F175D3DCCD1}">
-              <a14:hiddenFill xmlns:a14="http://schemas.microsoft.com/office/drawing/2010/main" xmlns="">
+              <a14:hiddenFill xmlns="" xmlns:a14="http://schemas.microsoft.com/office/drawing/2010/main">
                 <a:solidFill>
                   <a:srgbClr val="FFFFFF"/>
                 </a:solidFill>
               </a14:hiddenFill>
             </a:ext>
             <a:ext uri="{91240B29-F687-4f45-9708-019B960494DF}">
-              <a14:hiddenLine xmlns:a14="http://schemas.microsoft.com/office/drawing/2010/main" xmlns="" w="9525">
+              <a14:hiddenLine xmlns="" xmlns:a14="http://schemas.microsoft.com/office/drawing/2010/main" w="9525">
                 <a:solidFill>
                   <a:srgbClr val="000000"/>
                 </a:solidFill>
@@ -3995,7 +3961,7 @@
           <a:lstStyle/>
           <a:p>
             <a:r>
-              <a:rPr lang="it-IT" dirty="0" err="1" smtClean="0"/>
+              <a:rPr lang="it-IT" dirty="0" err="1"/>
               <a:t>Identification</a:t>
             </a:r>
             <a:endParaRPr lang="it-IT" dirty="0"/>
@@ -4024,11 +3990,11 @@
           <a:p>
             <a:pPr algn="ctr"/>
             <a:r>
-              <a:rPr lang="it-IT" sz="7200" b="1" dirty="0" smtClean="0"/>
+              <a:rPr lang="it-IT" sz="7200" b="1" dirty="0"/>
               <a:t>Cart </a:t>
             </a:r>
             <a:r>
-              <a:rPr lang="it-IT" sz="7200" b="1" dirty="0" err="1" smtClean="0"/>
+              <a:rPr lang="it-IT" sz="7200" b="1" dirty="0" err="1"/>
               <a:t>identification</a:t>
             </a:r>
             <a:endParaRPr lang="it-IT" sz="7200" b="1" dirty="0"/>
@@ -4045,13 +4011,6 @@
   <p:clrMapOvr>
     <a:masterClrMapping/>
   </p:clrMapOvr>
-  <p:timing>
-    <p:tnLst>
-      <p:par>
-        <p:cTn id="1" dur="indefinite" restart="never" nodeType="tmRoot"/>
-      </p:par>
-    </p:tnLst>
-  </p:timing>
 </p:sld>
 </file>
 
@@ -4088,7 +4047,7 @@
           <a:lstStyle/>
           <a:p>
             <a:r>
-              <a:rPr lang="it-IT" dirty="0" err="1" smtClean="0"/>
+              <a:rPr lang="it-IT" dirty="0" err="1"/>
               <a:t>Identification</a:t>
             </a:r>
             <a:endParaRPr lang="it-IT" dirty="0"/>
@@ -4117,7 +4076,7 @@
           <a:p>
             <a:pPr algn="ctr"/>
             <a:r>
-              <a:rPr lang="it-IT" sz="5400" b="1" dirty="0" err="1" smtClean="0">
+              <a:rPr lang="it-IT" sz="5400" b="1" dirty="0" err="1">
                 <a:solidFill>
                   <a:srgbClr val="FF0000"/>
                 </a:solidFill>
@@ -4128,7 +4087,7 @@
               <a:t>Validation</a:t>
             </a:r>
             <a:r>
-              <a:rPr lang="it-IT" sz="5400" b="1" dirty="0" smtClean="0">
+              <a:rPr lang="it-IT" sz="5400" b="1" dirty="0">
                 <a:solidFill>
                   <a:srgbClr val="FF0000"/>
                 </a:solidFill>
@@ -4139,7 +4098,7 @@
               <a:t> –  </a:t>
             </a:r>
             <a:r>
-              <a:rPr lang="it-IT" sz="5400" b="1" dirty="0" smtClean="0">
+              <a:rPr lang="it-IT" sz="5400" b="1" dirty="0">
                 <a:solidFill>
                   <a:srgbClr val="FF0000"/>
                 </a:solidFill>
@@ -4149,7 +4108,7 @@
               <a:t>2</a:t>
             </a:r>
             <a:r>
-              <a:rPr lang="it-IT" sz="5400" b="1" dirty="0" smtClean="0">
+              <a:rPr lang="it-IT" sz="5400" b="1" dirty="0">
                 <a:solidFill>
                   <a:srgbClr val="FF0000"/>
                 </a:solidFill>
@@ -4179,7 +4138,7 @@
           <p:nvPr/>
         </p:nvPicPr>
         <p:blipFill>
-          <a:blip r:embed="rId2">
+          <a:blip r:embed="rId2" cstate="email">
             <a:extLst>
               <a:ext uri="{28A0092B-C50C-407E-A947-70E740481C1C}">
                 <a14:useLocalDpi xmlns:a14="http://schemas.microsoft.com/office/drawing/2010/main" val="0"/>
@@ -4209,7 +4168,7 @@
           <p:nvPr/>
         </p:nvPicPr>
         <p:blipFill>
-          <a:blip r:embed="rId3">
+          <a:blip r:embed="rId3" cstate="email">
             <a:extLst>
               <a:ext uri="{28A0092B-C50C-407E-A947-70E740481C1C}">
                 <a14:useLocalDpi xmlns:a14="http://schemas.microsoft.com/office/drawing/2010/main" val="0"/>
@@ -4253,16 +4212,15 @@
           <a:lstStyle/>
           <a:p>
             <a:r>
-              <a:rPr lang="en-US" dirty="0" smtClean="0"/>
+              <a:rPr lang="en-US" dirty="0"/>
               <a:t>87.29% of fit for the first cart, 85.79% for the second one. Plots shown only for </a:t>
             </a:r>
           </a:p>
           <a:p>
             <a:r>
-              <a:rPr lang="en-US" dirty="0" smtClean="0"/>
+              <a:rPr lang="en-US" dirty="0"/>
               <a:t>the second cart</a:t>
             </a:r>
-            <a:endParaRPr lang="en-US" dirty="0"/>
           </a:p>
         </p:txBody>
       </p:sp>
@@ -4276,13 +4234,6 @@
   <p:clrMapOvr>
     <a:masterClrMapping/>
   </p:clrMapOvr>
-  <p:timing>
-    <p:tnLst>
-      <p:par>
-        <p:cTn id="1" dur="indefinite" restart="never" nodeType="tmRoot"/>
-      </p:par>
-    </p:tnLst>
-  </p:timing>
 </p:sld>
 </file>
 
@@ -4319,7 +4270,7 @@
           <a:lstStyle/>
           <a:p>
             <a:r>
-              <a:rPr lang="it-IT" dirty="0" err="1" smtClean="0"/>
+              <a:rPr lang="it-IT" dirty="0" err="1"/>
               <a:t>Identification</a:t>
             </a:r>
             <a:endParaRPr lang="it-IT" dirty="0"/>
@@ -4348,15 +4299,15 @@
           <a:p>
             <a:pPr algn="ctr"/>
             <a:r>
-              <a:rPr lang="it-IT" sz="7200" b="1" dirty="0" err="1" smtClean="0"/>
+              <a:rPr lang="it-IT" sz="7200" b="1" dirty="0" err="1"/>
               <a:t>Gray</a:t>
             </a:r>
             <a:r>
-              <a:rPr lang="it-IT" sz="7200" b="1" dirty="0" smtClean="0"/>
+              <a:rPr lang="it-IT" sz="7200" b="1" dirty="0"/>
               <a:t> Box </a:t>
             </a:r>
             <a:r>
-              <a:rPr lang="it-IT" sz="7200" b="1" dirty="0" err="1" smtClean="0"/>
+              <a:rPr lang="it-IT" sz="7200" b="1" dirty="0" err="1"/>
               <a:t>Identification</a:t>
             </a:r>
             <a:endParaRPr lang="it-IT" sz="7200" b="1" dirty="0"/>
@@ -4373,13 +4324,6 @@
   <p:clrMapOvr>
     <a:masterClrMapping/>
   </p:clrMapOvr>
-  <p:timing>
-    <p:tnLst>
-      <p:par>
-        <p:cTn id="1" dur="indefinite" restart="never" nodeType="tmRoot"/>
-      </p:par>
-    </p:tnLst>
-  </p:timing>
 </p:sld>
 </file>
 
@@ -4416,7 +4360,7 @@
           <a:lstStyle/>
           <a:p>
             <a:r>
-              <a:rPr lang="it-IT" dirty="0" err="1" smtClean="0"/>
+              <a:rPr lang="it-IT" dirty="0" err="1"/>
               <a:t>Identification</a:t>
             </a:r>
             <a:endParaRPr lang="it-IT" dirty="0"/>
@@ -4446,13 +4390,13 @@
           <a:lstStyle/>
           <a:p>
             <a:r>
-              <a:rPr lang="en-US" dirty="0" smtClean="0"/>
+              <a:rPr lang="en-US" dirty="0"/>
               <a:t>Since the identification process was long, we first used a rapid approach to estimate</a:t>
             </a:r>
           </a:p>
           <a:p>
             <a:r>
-              <a:rPr lang="en-US" dirty="0" smtClean="0"/>
+              <a:rPr lang="en-US" dirty="0"/>
               <a:t>All the variables in play.</a:t>
             </a:r>
           </a:p>
@@ -4461,29 +4405,15 @@
           </a:p>
           <a:p>
             <a:r>
-              <a:rPr lang="en-US" dirty="0" smtClean="0"/>
-              <a:t>Feed a </a:t>
-            </a:r>
-            <a:r>
               <a:rPr lang="en-US" dirty="0"/>
-              <a:t>train of pulses into the system and measure both the current and </a:t>
-            </a:r>
-            <a:endParaRPr lang="en-US" dirty="0" smtClean="0"/>
-          </a:p>
-          <a:p>
-            <a:r>
-              <a:rPr lang="en-US" dirty="0" smtClean="0"/>
-              <a:t>displacement </a:t>
-            </a:r>
+              <a:t>Feed a train of pulses into the system and measure both the current and </a:t>
+            </a:r>
+          </a:p>
+          <a:p>
             <a:r>
               <a:rPr lang="en-US" dirty="0"/>
-              <a:t>of the </a:t>
-            </a:r>
-            <a:r>
-              <a:rPr lang="en-US" dirty="0" smtClean="0"/>
-              <a:t>cart</a:t>
-            </a:r>
-            <a:endParaRPr lang="en-US" dirty="0"/>
+              <a:t>displacement of the cart</a:t>
+            </a:r>
           </a:p>
           <a:p>
             <a:endParaRPr lang="en-US" dirty="0"/>
@@ -4839,10 +4769,9 @@
           <a:lstStyle/>
           <a:p>
             <a:r>
-              <a:rPr lang="en-US" sz="1100" dirty="0" smtClean="0"/>
+              <a:rPr lang="en-US" sz="1100" dirty="0"/>
               <a:t>Measured</a:t>
             </a:r>
-            <a:endParaRPr lang="en-US" sz="1100" dirty="0"/>
           </a:p>
         </p:txBody>
       </p:sp>
@@ -4869,10 +4798,9 @@
           <a:lstStyle/>
           <a:p>
             <a:r>
-              <a:rPr lang="en-US" sz="1100" dirty="0" smtClean="0"/>
+              <a:rPr lang="en-US" sz="1100" dirty="0"/>
               <a:t>Simulated</a:t>
             </a:r>
-            <a:endParaRPr lang="en-US" sz="1100" dirty="0"/>
           </a:p>
         </p:txBody>
       </p:sp>
@@ -4958,13 +4886,6 @@
   <p:clrMapOvr>
     <a:masterClrMapping/>
   </p:clrMapOvr>
-  <p:timing>
-    <p:tnLst>
-      <p:par>
-        <p:cTn id="1" dur="indefinite" restart="never" nodeType="tmRoot"/>
-      </p:par>
-    </p:tnLst>
-  </p:timing>
 </p:sld>
 </file>
 
@@ -5001,7 +4922,7 @@
           <a:lstStyle/>
           <a:p>
             <a:r>
-              <a:rPr lang="it-IT" dirty="0" err="1" smtClean="0"/>
+              <a:rPr lang="it-IT" dirty="0" err="1"/>
               <a:t>Identification</a:t>
             </a:r>
             <a:endParaRPr lang="it-IT" dirty="0"/>
@@ -5017,7 +4938,7 @@
           <p:nvPr/>
         </p:nvPicPr>
         <p:blipFill>
-          <a:blip r:embed="rId2">
+          <a:blip r:embed="rId2" cstate="email">
             <a:extLst>
               <a:ext uri="{28A0092B-C50C-407E-A947-70E740481C1C}">
                 <a14:useLocalDpi xmlns:a14="http://schemas.microsoft.com/office/drawing/2010/main" val="0"/>
@@ -5047,7 +4968,7 @@
           <p:nvPr/>
         </p:nvPicPr>
         <p:blipFill>
-          <a:blip r:embed="rId3">
+          <a:blip r:embed="rId3" cstate="email">
             <a:extLst>
               <a:ext uri="{28A0092B-C50C-407E-A947-70E740481C1C}">
                 <a14:useLocalDpi xmlns:a14="http://schemas.microsoft.com/office/drawing/2010/main" val="0"/>
@@ -5091,18 +5012,13 @@
           <a:lstStyle/>
           <a:p>
             <a:r>
-              <a:rPr lang="en-US" dirty="0" smtClean="0">
+              <a:rPr lang="en-US" dirty="0">
                 <a:solidFill>
                   <a:srgbClr val="FF0000"/>
                 </a:solidFill>
               </a:rPr>
               <a:t>Motor</a:t>
             </a:r>
-            <a:endParaRPr lang="en-US" dirty="0">
-              <a:solidFill>
-                <a:srgbClr val="FF0000"/>
-              </a:solidFill>
-            </a:endParaRPr>
           </a:p>
         </p:txBody>
       </p:sp>
@@ -5129,18 +5045,13 @@
           <a:lstStyle/>
           <a:p>
             <a:r>
-              <a:rPr lang="en-US" dirty="0" smtClean="0">
+              <a:rPr lang="en-US" dirty="0">
                 <a:solidFill>
                   <a:srgbClr val="FF0000"/>
                 </a:solidFill>
               </a:rPr>
               <a:t>Cart</a:t>
             </a:r>
-            <a:endParaRPr lang="en-US" dirty="0">
-              <a:solidFill>
-                <a:srgbClr val="FF0000"/>
-              </a:solidFill>
-            </a:endParaRPr>
           </a:p>
         </p:txBody>
       </p:sp>
@@ -5167,18 +5078,13 @@
           <a:lstStyle/>
           <a:p>
             <a:r>
-              <a:rPr lang="en-US" dirty="0" smtClean="0">
+              <a:rPr lang="en-US" dirty="0">
                 <a:solidFill>
                   <a:srgbClr val="FF0000"/>
                 </a:solidFill>
               </a:rPr>
               <a:t>Identification results</a:t>
             </a:r>
-            <a:endParaRPr lang="en-US" dirty="0">
-              <a:solidFill>
-                <a:srgbClr val="FF0000"/>
-              </a:solidFill>
-            </a:endParaRPr>
           </a:p>
         </p:txBody>
       </p:sp>
@@ -5261,13 +5167,6 @@
   <p:clrMapOvr>
     <a:masterClrMapping/>
   </p:clrMapOvr>
-  <p:timing>
-    <p:tnLst>
-      <p:par>
-        <p:cTn id="1" dur="indefinite" restart="never" nodeType="tmRoot"/>
-      </p:par>
-    </p:tnLst>
-  </p:timing>
 </p:sld>
 </file>
 
@@ -5304,7 +5203,7 @@
           <a:lstStyle/>
           <a:p>
             <a:r>
-              <a:rPr lang="it-IT" dirty="0" err="1" smtClean="0"/>
+              <a:rPr lang="it-IT" dirty="0" err="1"/>
               <a:t>Identification</a:t>
             </a:r>
             <a:endParaRPr lang="it-IT" dirty="0"/>
@@ -5333,19 +5232,19 @@
           <a:p>
             <a:pPr algn="ctr"/>
             <a:r>
-              <a:rPr lang="it-IT" sz="7200" b="1" dirty="0" smtClean="0"/>
+              <a:rPr lang="it-IT" sz="7200" b="1" dirty="0"/>
               <a:t>Non </a:t>
             </a:r>
             <a:r>
-              <a:rPr lang="it-IT" sz="7200" b="1" dirty="0" err="1" smtClean="0"/>
+              <a:rPr lang="it-IT" sz="7200" b="1" dirty="0" err="1"/>
               <a:t>Linearities</a:t>
             </a:r>
             <a:r>
-              <a:rPr lang="it-IT" sz="7200" b="1" dirty="0" smtClean="0"/>
+              <a:rPr lang="it-IT" sz="7200" b="1" dirty="0"/>
               <a:t> </a:t>
             </a:r>
             <a:r>
-              <a:rPr lang="it-IT" sz="7200" b="1" dirty="0" err="1" smtClean="0"/>
+              <a:rPr lang="it-IT" sz="7200" b="1" dirty="0" err="1"/>
               <a:t>Identification</a:t>
             </a:r>
             <a:endParaRPr lang="it-IT" sz="7200" b="1" dirty="0"/>
@@ -5362,13 +5261,6 @@
   <p:clrMapOvr>
     <a:masterClrMapping/>
   </p:clrMapOvr>
-  <p:timing>
-    <p:tnLst>
-      <p:par>
-        <p:cTn id="1" dur="indefinite" restart="never" nodeType="tmRoot"/>
-      </p:par>
-    </p:tnLst>
-  </p:timing>
 </p:sld>
 </file>
 
@@ -5405,7 +5297,7 @@
           <a:lstStyle/>
           <a:p>
             <a:r>
-              <a:rPr lang="it-IT" dirty="0" err="1" smtClean="0"/>
+              <a:rPr lang="it-IT" dirty="0" err="1"/>
               <a:t>Identification</a:t>
             </a:r>
             <a:endParaRPr lang="it-IT" dirty="0"/>
@@ -5435,21 +5327,21 @@
           <a:lstStyle/>
           <a:p>
             <a:r>
-              <a:rPr lang="en-US" dirty="0" smtClean="0"/>
+              <a:rPr lang="en-US" dirty="0"/>
               <a:t>During the course of the project we found many non-</a:t>
             </a:r>
             <a:r>
-              <a:rPr lang="en-US" dirty="0" err="1" smtClean="0"/>
+              <a:rPr lang="en-US" dirty="0" err="1"/>
               <a:t>linearities</a:t>
             </a:r>
             <a:r>
-              <a:rPr lang="en-US" dirty="0" smtClean="0"/>
+              <a:rPr lang="en-US" dirty="0"/>
               <a:t>, especially in the</a:t>
             </a:r>
           </a:p>
           <a:p>
             <a:r>
-              <a:rPr lang="en-US" dirty="0" smtClean="0"/>
+              <a:rPr lang="en-US" dirty="0"/>
               <a:t>Motor, responsible of poor performances in some cases.</a:t>
             </a:r>
           </a:p>
@@ -5458,18 +5350,17 @@
           </a:p>
           <a:p>
             <a:r>
-              <a:rPr lang="en-US" dirty="0" smtClean="0"/>
+              <a:rPr lang="en-US" dirty="0"/>
               <a:t>One of the most important was that the gain was input-</a:t>
             </a:r>
             <a:r>
-              <a:rPr lang="en-US" dirty="0" err="1" smtClean="0"/>
+              <a:rPr lang="en-US" dirty="0" err="1"/>
               <a:t>dependant</a:t>
             </a:r>
             <a:r>
-              <a:rPr lang="en-US" dirty="0" smtClean="0"/>
+              <a:rPr lang="en-US" dirty="0"/>
               <a:t>.</a:t>
             </a:r>
-            <a:endParaRPr lang="en-US" dirty="0"/>
           </a:p>
           <a:p>
             <a:endParaRPr lang="en-US" dirty="0"/>
@@ -5499,7 +5390,7 @@
           <a:lstStyle/>
           <a:p>
             <a:r>
-              <a:rPr lang="en-US" dirty="0" smtClean="0"/>
+              <a:rPr lang="en-US" dirty="0"/>
               <a:t>We performed multiple experiments, using a step signal, at different voltages.</a:t>
             </a:r>
           </a:p>
@@ -5642,10 +5533,9 @@
           <a:lstStyle/>
           <a:p>
             <a:r>
-              <a:rPr lang="en-US" dirty="0" smtClean="0"/>
+              <a:rPr lang="en-US" dirty="0"/>
               <a:t>Ideal current, simulated</a:t>
             </a:r>
-            <a:endParaRPr lang="en-US" dirty="0"/>
           </a:p>
         </p:txBody>
       </p:sp>
@@ -5672,10 +5562,9 @@
           <a:lstStyle/>
           <a:p>
             <a:r>
-              <a:rPr lang="en-US" dirty="0" smtClean="0"/>
+              <a:rPr lang="en-US" dirty="0"/>
               <a:t>Real current, measured</a:t>
             </a:r>
-            <a:endParaRPr lang="en-US" dirty="0"/>
           </a:p>
         </p:txBody>
       </p:sp>
@@ -5759,10 +5648,9 @@
           <a:lstStyle/>
           <a:p>
             <a:r>
-              <a:rPr lang="en-US" dirty="0" smtClean="0"/>
+              <a:rPr lang="en-US" dirty="0"/>
               <a:t>Approximation of f(v)</a:t>
             </a:r>
-            <a:endParaRPr lang="en-US" dirty="0"/>
           </a:p>
         </p:txBody>
       </p:sp>
@@ -5827,10 +5715,9 @@
           <a:lstStyle/>
           <a:p>
             <a:r>
-              <a:rPr lang="en-US" dirty="0" smtClean="0"/>
+              <a:rPr lang="en-US" dirty="0"/>
               <a:t>Least squares</a:t>
             </a:r>
-            <a:endParaRPr lang="en-US" dirty="0"/>
           </a:p>
         </p:txBody>
       </p:sp>
@@ -5857,18 +5744,13 @@
           <a:lstStyle/>
           <a:p>
             <a:r>
-              <a:rPr lang="en-US" sz="2000" b="1" dirty="0" smtClean="0">
+              <a:rPr lang="en-US" sz="2000" b="1" dirty="0">
                 <a:solidFill>
                   <a:srgbClr val="FF0000"/>
                 </a:solidFill>
               </a:rPr>
               <a:t>Non Linear Gain</a:t>
             </a:r>
-            <a:endParaRPr lang="en-US" sz="2000" b="1" dirty="0">
-              <a:solidFill>
-                <a:srgbClr val="FF0000"/>
-              </a:solidFill>
-            </a:endParaRPr>
           </a:p>
         </p:txBody>
       </p:sp>
@@ -5882,13 +5764,6 @@
   <p:clrMapOvr>
     <a:masterClrMapping/>
   </p:clrMapOvr>
-  <p:timing>
-    <p:tnLst>
-      <p:par>
-        <p:cTn id="1" dur="indefinite" restart="never" nodeType="tmRoot"/>
-      </p:par>
-    </p:tnLst>
-  </p:timing>
 </p:sld>
 </file>
 
@@ -5925,7 +5800,7 @@
           <a:lstStyle/>
           <a:p>
             <a:r>
-              <a:rPr lang="it-IT" dirty="0" err="1" smtClean="0"/>
+              <a:rPr lang="it-IT" dirty="0" err="1"/>
               <a:t>Identification</a:t>
             </a:r>
             <a:endParaRPr lang="it-IT" dirty="0"/>
@@ -5941,7 +5816,7 @@
           <p:nvPr/>
         </p:nvPicPr>
         <p:blipFill>
-          <a:blip r:embed="rId2">
+          <a:blip r:embed="rId2" cstate="email">
             <a:extLst>
               <a:ext uri="{28A0092B-C50C-407E-A947-70E740481C1C}">
                 <a14:useLocalDpi xmlns:a14="http://schemas.microsoft.com/office/drawing/2010/main" val="0"/>
@@ -5971,7 +5846,7 @@
           <p:nvPr/>
         </p:nvPicPr>
         <p:blipFill>
-          <a:blip r:embed="rId3">
+          <a:blip r:embed="rId3" cstate="email">
             <a:extLst>
               <a:ext uri="{28A0092B-C50C-407E-A947-70E740481C1C}">
                 <a14:useLocalDpi xmlns:a14="http://schemas.microsoft.com/office/drawing/2010/main" val="0"/>
@@ -6015,30 +5890,29 @@
           <a:lstStyle/>
           <a:p>
             <a:r>
-              <a:rPr lang="en-US" dirty="0" smtClean="0"/>
+              <a:rPr lang="en-US" dirty="0"/>
               <a:t>As seen from the figure,</a:t>
             </a:r>
           </a:p>
           <a:p>
             <a:r>
-              <a:rPr lang="en-US" dirty="0" smtClean="0"/>
+              <a:rPr lang="en-US" dirty="0"/>
               <a:t>f(v)=g(v)/v is a nonlinearity with </a:t>
             </a:r>
           </a:p>
           <a:p>
             <a:r>
-              <a:rPr lang="en-US" dirty="0" smtClean="0"/>
+              <a:rPr lang="en-US" dirty="0"/>
               <a:t>sector [</a:t>
             </a:r>
             <a:r>
-              <a:rPr lang="en-US" dirty="0" err="1" smtClean="0"/>
+              <a:rPr lang="en-US" dirty="0" err="1"/>
               <a:t>a,b</a:t>
             </a:r>
             <a:r>
-              <a:rPr lang="en-US" dirty="0" smtClean="0"/>
+              <a:rPr lang="en-US" dirty="0"/>
               <a:t>], a &gt;0, b &lt; infinity.</a:t>
             </a:r>
-            <a:endParaRPr lang="en-US" dirty="0"/>
           </a:p>
         </p:txBody>
       </p:sp>
@@ -6065,18 +5939,13 @@
           <a:lstStyle/>
           <a:p>
             <a:r>
-              <a:rPr lang="en-US" dirty="0" smtClean="0">
+              <a:rPr lang="en-US" dirty="0">
                 <a:solidFill>
                   <a:srgbClr val="FF0000"/>
                 </a:solidFill>
               </a:rPr>
               <a:t>Results:</a:t>
             </a:r>
-            <a:endParaRPr lang="en-US" dirty="0">
-              <a:solidFill>
-                <a:srgbClr val="FF0000"/>
-              </a:solidFill>
-            </a:endParaRPr>
           </a:p>
         </p:txBody>
       </p:sp>
@@ -6090,13 +5959,6 @@
   <p:clrMapOvr>
     <a:masterClrMapping/>
   </p:clrMapOvr>
-  <p:timing>
-    <p:tnLst>
-      <p:par>
-        <p:cTn id="1" dur="indefinite" restart="never" nodeType="tmRoot"/>
-      </p:par>
-    </p:tnLst>
-  </p:timing>
 </p:sld>
 </file>
 
@@ -6133,7 +5995,7 @@
           <a:lstStyle/>
           <a:p>
             <a:r>
-              <a:rPr lang="it-IT" dirty="0" err="1" smtClean="0"/>
+              <a:rPr lang="it-IT" dirty="0" err="1"/>
               <a:t>Identification</a:t>
             </a:r>
             <a:endParaRPr lang="it-IT" dirty="0"/>
@@ -6163,18 +6025,13 @@
           <a:lstStyle/>
           <a:p>
             <a:r>
-              <a:rPr lang="en-US" sz="2000" b="1" dirty="0" smtClean="0">
+              <a:rPr lang="en-US" sz="2000" b="1" dirty="0">
                 <a:solidFill>
                   <a:srgbClr val="FF0000"/>
                 </a:solidFill>
               </a:rPr>
               <a:t>Motor Electrical Friction</a:t>
             </a:r>
-            <a:endParaRPr lang="en-US" sz="2000" b="1" dirty="0">
-              <a:solidFill>
-                <a:srgbClr val="FF0000"/>
-              </a:solidFill>
-            </a:endParaRPr>
           </a:p>
         </p:txBody>
       </p:sp>
@@ -6187,7 +6044,7 @@
           <p:nvPr/>
         </p:nvPicPr>
         <p:blipFill>
-          <a:blip r:embed="rId2">
+          <a:blip r:embed="rId2" cstate="email">
             <a:extLst>
               <a:ext uri="{28A0092B-C50C-407E-A947-70E740481C1C}">
                 <a14:useLocalDpi xmlns:a14="http://schemas.microsoft.com/office/drawing/2010/main" val="0"/>
@@ -6217,7 +6074,7 @@
           <p:nvPr/>
         </p:nvPicPr>
         <p:blipFill>
-          <a:blip r:embed="rId3">
+          <a:blip r:embed="rId3" cstate="email">
             <a:extLst>
               <a:ext uri="{28A0092B-C50C-407E-A947-70E740481C1C}">
                 <a14:useLocalDpi xmlns:a14="http://schemas.microsoft.com/office/drawing/2010/main" val="0"/>
@@ -6322,7 +6179,7 @@
               <a:buAutoNum type="arabicPeriod"/>
             </a:pPr>
             <a:r>
-              <a:rPr lang="en-US" dirty="0" smtClean="0"/>
+              <a:rPr lang="en-US" dirty="0"/>
               <a:t>Minimize a cost function </a:t>
             </a:r>
           </a:p>
@@ -6332,18 +6189,14 @@
               <a:buAutoNum type="arabicPeriod"/>
             </a:pPr>
             <a:r>
-              <a:rPr lang="en-US" dirty="0" smtClean="0"/>
+              <a:rPr lang="en-US" dirty="0"/>
               <a:t>Or use the fact that the current</a:t>
-            </a:r>
-            <a:r>
-              <a:rPr lang="en-US" dirty="0"/>
-              <a:t/>
             </a:r>
             <a:br>
               <a:rPr lang="en-US" dirty="0"/>
             </a:br>
             <a:r>
-              <a:rPr lang="en-US" dirty="0" smtClean="0"/>
+              <a:rPr lang="en-US" dirty="0"/>
               <a:t>is WN</a:t>
             </a:r>
           </a:p>
@@ -6372,10 +6225,9 @@
           <a:lstStyle/>
           <a:p>
             <a:r>
-              <a:rPr lang="en-US" smtClean="0"/>
+              <a:rPr lang="en-US"/>
               <a:t>Find c?</a:t>
             </a:r>
-            <a:endParaRPr lang="en-US"/>
           </a:p>
         </p:txBody>
       </p:sp>
@@ -6389,13 +6241,6 @@
   <p:clrMapOvr>
     <a:masterClrMapping/>
   </p:clrMapOvr>
-  <p:timing>
-    <p:tnLst>
-      <p:par>
-        <p:cTn id="1" dur="indefinite" restart="never" nodeType="tmRoot"/>
-      </p:par>
-    </p:tnLst>
-  </p:timing>
 </p:sld>
 </file>
 
@@ -6432,7 +6277,7 @@
           <a:lstStyle/>
           <a:p>
             <a:r>
-              <a:rPr lang="it-IT" dirty="0" err="1" smtClean="0"/>
+              <a:rPr lang="it-IT" dirty="0" err="1"/>
               <a:t>Identification</a:t>
             </a:r>
             <a:endParaRPr lang="it-IT" dirty="0"/>
@@ -6462,10 +6307,9 @@
           <a:lstStyle/>
           <a:p>
             <a:r>
-              <a:rPr lang="en-US" dirty="0" smtClean="0"/>
+              <a:rPr lang="en-US" dirty="0"/>
               <a:t>1. Minimize: </a:t>
             </a:r>
-            <a:endParaRPr lang="en-US" dirty="0"/>
           </a:p>
         </p:txBody>
       </p:sp>
@@ -6520,23 +6364,22 @@
               <a:t>=</a:t>
             </a:r>
             <a:r>
-              <a:rPr lang="en-US" smtClean="0"/>
+              <a:rPr lang="en-US"/>
               <a:t>&gt; </a:t>
             </a:r>
             <a:r>
-              <a:rPr lang="en-US" dirty="0" smtClean="0"/>
+              <a:rPr lang="en-US" dirty="0"/>
               <a:t>c= 0.4621, using </a:t>
             </a:r>
             <a:r>
-              <a:rPr lang="en-US" smtClean="0"/>
+              <a:rPr lang="en-US"/>
               <a:t>genetic algorithm</a:t>
             </a:r>
-            <a:endParaRPr lang="en-US"/>
-          </a:p>
-        </p:txBody>
-      </p:sp>
-      <mc:AlternateContent xmlns:mc="http://schemas.openxmlformats.org/markup-compatibility/2006">
-        <mc:Choice xmlns:a14="http://schemas.microsoft.com/office/drawing/2010/main" Requires="a14">
+          </a:p>
+        </p:txBody>
+      </p:sp>
+      <mc:AlternateContent xmlns:mc="http://schemas.openxmlformats.org/markup-compatibility/2006" xmlns:a14="http://schemas.microsoft.com/office/drawing/2010/main">
+        <mc:Choice Requires="a14">
           <p:sp>
             <p:nvSpPr>
               <p:cNvPr id="11" name="TextBox 10"/>
@@ -6563,15 +6406,15 @@
                   <a:buAutoNum type="arabicPeriod" startAt="2"/>
                 </a:pPr>
                 <a:r>
-                  <a:rPr lang="it-IT" dirty="0" smtClean="0"/>
+                  <a:rPr lang="it-IT" dirty="0"/>
                   <a:t>Use an iterative </a:t>
                 </a:r>
                 <a:r>
-                  <a:rPr lang="it-IT" dirty="0" err="1" smtClean="0"/>
+                  <a:rPr lang="it-IT" dirty="0" err="1"/>
                   <a:t>method</a:t>
                 </a:r>
                 <a:r>
-                  <a:rPr lang="it-IT" dirty="0" smtClean="0"/>
+                  <a:rPr lang="it-IT" dirty="0"/>
                   <a:t>:</a:t>
                 </a:r>
               </a:p>
@@ -6581,23 +6424,19 @@
                   <a:buAutoNum type="arabicPeriod"/>
                 </a:pPr>
                 <a:r>
-                  <a:rPr lang="it-IT" dirty="0" err="1" smtClean="0"/>
+                  <a:rPr lang="it-IT" dirty="0" err="1"/>
                   <a:t>Find</a:t>
                 </a:r>
                 <a:r>
                   <a:rPr lang="it-IT" dirty="0"/>
-                  <a:t> </a:t>
+                  <a:t> the set </a:t>
                 </a:r>
                 <a:r>
-                  <a:rPr lang="it-IT" dirty="0" smtClean="0"/>
-                  <a:t>the set </a:t>
-                </a:r>
-                <a:r>
-                  <a:rPr lang="it-IT" dirty="0" err="1" smtClean="0"/>
+                  <a:rPr lang="it-IT" dirty="0" err="1"/>
                   <a:t>where</a:t>
                 </a:r>
                 <a:r>
-                  <a:rPr lang="it-IT" dirty="0" smtClean="0"/>
+                  <a:rPr lang="it-IT" dirty="0"/>
                   <a:t> </a:t>
                 </a:r>
                 <a14:m>
@@ -6608,7 +6447,7 @@
                         <m:endChr m:val="|"/>
                         <m:ctrlPr>
                           <a:rPr lang="it-IT" b="0" i="1" smtClean="0">
-                            <a:latin typeface="Cambria Math" charset="0"/>
+                            <a:latin typeface="Cambria Math" panose="02040503050406030204" pitchFamily="18" charset="0"/>
                           </a:rPr>
                         </m:ctrlPr>
                       </m:dPr>
@@ -6653,7 +6492,7 @@
                     </m:r>
                   </m:oMath>
                 </a14:m>
-                <a:endParaRPr lang="en-US" dirty="0" smtClean="0"/>
+                <a:endParaRPr lang="en-US" dirty="0"/>
               </a:p>
               <a:p>
                 <a:pPr marL="800100" lvl="1" indent="-342900">
@@ -6661,7 +6500,7 @@
                   <a:buAutoNum type="arabicPeriod"/>
                 </a:pPr>
                 <a:r>
-                  <a:rPr lang="en-US" dirty="0" smtClean="0"/>
+                  <a:rPr lang="en-US" dirty="0"/>
                   <a:t>Check if the current in that set is WN using the Anderson Whiteness Test</a:t>
                 </a:r>
               </a:p>
@@ -6671,7 +6510,7 @@
                   <a:buAutoNum type="arabicPeriod"/>
                 </a:pPr>
                 <a:r>
-                  <a:rPr lang="en-US" dirty="0" smtClean="0"/>
+                  <a:rPr lang="en-US" dirty="0"/>
                   <a:t>If not, repeat with </a:t>
                 </a:r>
                 <a14:m>
@@ -6680,7 +6519,7 @@
                       <m:sSubPr>
                         <m:ctrlPr>
                           <a:rPr lang="it-IT" b="0" i="1" smtClean="0">
-                            <a:latin typeface="Cambria Math" charset="0"/>
+                            <a:latin typeface="Cambria Math" panose="02040503050406030204" pitchFamily="18" charset="0"/>
                           </a:rPr>
                         </m:ctrlPr>
                       </m:sSubPr>
@@ -6757,20 +6596,20 @@
                     </m:r>
                   </m:oMath>
                 </a14:m>
-                <a:endParaRPr lang="it-IT" b="0" dirty="0" smtClean="0"/>
+                <a:endParaRPr lang="it-IT" b="0" dirty="0"/>
               </a:p>
               <a:p>
                 <a:pPr lvl="1"/>
                 <a:r>
-                  <a:rPr lang="it-IT" dirty="0" smtClean="0"/>
+                  <a:rPr lang="it-IT" dirty="0"/>
                   <a:t>=&gt; C = 0.35</a:t>
                 </a:r>
-                <a:endParaRPr lang="it-IT" b="0" dirty="0" smtClean="0"/>
+                <a:endParaRPr lang="it-IT" b="0" dirty="0"/>
               </a:p>
             </p:txBody>
           </p:sp>
         </mc:Choice>
-        <mc:Fallback>
+        <mc:Fallback xmlns="">
           <p:sp>
             <p:nvSpPr>
               <p:cNvPr id="11" name="TextBox 10"/>
@@ -6818,7 +6657,7 @@
           <p:nvPr/>
         </p:nvPicPr>
         <p:blipFill>
-          <a:blip r:embed="rId4">
+          <a:blip r:embed="rId4" cstate="email">
             <a:extLst>
               <a:ext uri="{28A0092B-C50C-407E-A947-70E740481C1C}">
                 <a14:useLocalDpi xmlns:a14="http://schemas.microsoft.com/office/drawing/2010/main" val="0"/>
@@ -6849,13 +6688,6 @@
   <p:clrMapOvr>
     <a:masterClrMapping/>
   </p:clrMapOvr>
-  <p:timing>
-    <p:tnLst>
-      <p:par>
-        <p:cTn id="1" dur="indefinite" restart="never" nodeType="tmRoot"/>
-      </p:par>
-    </p:tnLst>
-  </p:timing>
 </p:sld>
 </file>
 
@@ -6892,7 +6724,7 @@
           <a:lstStyle/>
           <a:p>
             <a:r>
-              <a:rPr lang="it-IT" dirty="0" err="1" smtClean="0"/>
+              <a:rPr lang="it-IT" dirty="0" err="1"/>
               <a:t>Identification</a:t>
             </a:r>
             <a:endParaRPr lang="it-IT" dirty="0"/>
@@ -6908,7 +6740,7 @@
           <p:nvPr/>
         </p:nvPicPr>
         <p:blipFill>
-          <a:blip r:embed="rId2">
+          <a:blip r:embed="rId2" cstate="email">
             <a:extLst>
               <a:ext uri="{28A0092B-C50C-407E-A947-70E740481C1C}">
                 <a14:useLocalDpi xmlns:a14="http://schemas.microsoft.com/office/drawing/2010/main" val="0"/>
@@ -6929,8 +6761,8 @@
           </a:prstGeom>
         </p:spPr>
       </p:pic>
-      <mc:AlternateContent xmlns:mc="http://schemas.openxmlformats.org/markup-compatibility/2006">
-        <mc:Choice xmlns:a14="http://schemas.microsoft.com/office/drawing/2010/main" Requires="a14">
+      <mc:AlternateContent xmlns:mc="http://schemas.openxmlformats.org/markup-compatibility/2006" xmlns:a14="http://schemas.microsoft.com/office/drawing/2010/main">
+        <mc:Choice Requires="a14">
           <p:sp>
             <p:nvSpPr>
               <p:cNvPr id="4" name="TextBox 3"/>
@@ -6954,7 +6786,7 @@
               <a:lstStyle/>
               <a:p>
                 <a:r>
-                  <a:rPr lang="en-US" dirty="0" smtClean="0"/>
+                  <a:rPr lang="en-US" dirty="0"/>
                   <a:t>Plot of </a:t>
                 </a:r>
                 <a14:m>
@@ -6969,7 +6801,7 @@
                       <m:dPr>
                         <m:ctrlPr>
                           <a:rPr lang="it-IT" b="0" i="1" smtClean="0">
-                            <a:latin typeface="Cambria Math" charset="0"/>
+                            <a:latin typeface="Cambria Math" panose="02040503050406030204" pitchFamily="18" charset="0"/>
                           </a:rPr>
                         </m:ctrlPr>
                       </m:dPr>
@@ -6992,7 +6824,7 @@
                       <m:sSubPr>
                         <m:ctrlPr>
                           <a:rPr lang="it-IT" b="0" i="1" smtClean="0">
-                            <a:latin typeface="Cambria Math" charset="0"/>
+                            <a:latin typeface="Cambria Math" panose="02040503050406030204" pitchFamily="18" charset="0"/>
                           </a:rPr>
                         </m:ctrlPr>
                       </m:sSubPr>
@@ -7023,7 +6855,7 @@
                       <m:sSubPr>
                         <m:ctrlPr>
                           <a:rPr lang="it-IT" b="0" i="1" smtClean="0">
-                            <a:latin typeface="Cambria Math" charset="0"/>
+                            <a:latin typeface="Cambria Math" panose="02040503050406030204" pitchFamily="18" charset="0"/>
                           </a:rPr>
                         </m:ctrlPr>
                       </m:sSubPr>
@@ -7051,7 +6883,7 @@
             </p:txBody>
           </p:sp>
         </mc:Choice>
-        <mc:Fallback>
+        <mc:Fallback xmlns="">
           <p:sp>
             <p:nvSpPr>
               <p:cNvPr id="4" name="TextBox 3"/>
@@ -7113,10 +6945,9 @@
           <a:lstStyle/>
           <a:p>
             <a:r>
-              <a:rPr lang="en-US" sz="1400" dirty="0" smtClean="0"/>
+              <a:rPr lang="en-US" sz="1400" dirty="0"/>
               <a:t>C=0.46 slightly outperforms C=0.35</a:t>
             </a:r>
-            <a:endParaRPr lang="en-US" sz="1400" dirty="0"/>
           </a:p>
         </p:txBody>
       </p:sp>
@@ -7171,13 +7002,6 @@
   <p:clrMapOvr>
     <a:masterClrMapping/>
   </p:clrMapOvr>
-  <p:timing>
-    <p:tnLst>
-      <p:par>
-        <p:cTn id="1" dur="indefinite" restart="never" nodeType="tmRoot"/>
-      </p:par>
-    </p:tnLst>
-  </p:timing>
 </p:sld>
 </file>
 
@@ -7214,7 +7038,7 @@
           <a:lstStyle/>
           <a:p>
             <a:r>
-              <a:rPr lang="it-IT" dirty="0" err="1" smtClean="0"/>
+              <a:rPr lang="it-IT" dirty="0" err="1"/>
               <a:t>Identification</a:t>
             </a:r>
             <a:endParaRPr lang="it-IT" dirty="0"/>
@@ -7410,7 +7234,7 @@
               <a:buChar char="•"/>
             </a:pPr>
             <a:r>
-              <a:rPr lang="en-US" dirty="0" smtClean="0"/>
+              <a:rPr lang="en-US" dirty="0"/>
               <a:t>Mass of the cart?</a:t>
             </a:r>
           </a:p>
@@ -7420,14 +7244,14 @@
               <a:buChar char="•"/>
             </a:pPr>
             <a:r>
-              <a:rPr lang="en-US" dirty="0" smtClean="0"/>
+              <a:rPr lang="en-US" dirty="0"/>
               <a:t>Damping and stiffness of</a:t>
             </a:r>
             <a:br>
-              <a:rPr lang="en-US" dirty="0" smtClean="0"/>
+              <a:rPr lang="en-US" dirty="0"/>
             </a:br>
             <a:r>
-              <a:rPr lang="en-US" dirty="0" smtClean="0"/>
+              <a:rPr lang="en-US" dirty="0"/>
               <a:t>the springs?</a:t>
             </a:r>
           </a:p>
@@ -7456,10 +7280,9 @@
           <a:lstStyle/>
           <a:p>
             <a:r>
-              <a:rPr lang="en-US" dirty="0" smtClean="0"/>
+              <a:rPr lang="en-US" dirty="0"/>
               <a:t>Detach the cart from the motor, and perform experiments!</a:t>
             </a:r>
-            <a:endParaRPr lang="en-US" dirty="0"/>
           </a:p>
         </p:txBody>
       </p:sp>
@@ -7510,16 +7333,15 @@
           <a:lstStyle/>
           <a:p>
             <a:r>
-              <a:rPr lang="en-US" dirty="0" smtClean="0"/>
+              <a:rPr lang="en-US" dirty="0"/>
               <a:t>Is the response to an initial condition x(0), where C depends</a:t>
             </a:r>
           </a:p>
           <a:p>
             <a:r>
-              <a:rPr lang="en-US" dirty="0" smtClean="0"/>
+              <a:rPr lang="en-US" dirty="0"/>
               <a:t>On x(0)</a:t>
             </a:r>
-            <a:endParaRPr lang="en-US" dirty="0"/>
           </a:p>
         </p:txBody>
       </p:sp>
@@ -7550,7 +7372,7 @@
               <a:buAutoNum type="arabicPeriod"/>
             </a:pPr>
             <a:r>
-              <a:rPr lang="en-US" dirty="0" smtClean="0"/>
+              <a:rPr lang="en-US" dirty="0"/>
               <a:t>Find the period T =&gt; pulsation</a:t>
             </a:r>
           </a:p>
@@ -7560,7 +7382,7 @@
               <a:buAutoNum type="arabicPeriod"/>
             </a:pPr>
             <a:r>
-              <a:rPr lang="en-US" dirty="0" smtClean="0"/>
+              <a:rPr lang="en-US" dirty="0"/>
               <a:t>Find the damping ratio</a:t>
             </a:r>
           </a:p>
@@ -7570,10 +7392,9 @@
               <a:buAutoNum type="arabicPeriod"/>
             </a:pPr>
             <a:r>
-              <a:rPr lang="en-US" dirty="0" smtClean="0"/>
+              <a:rPr lang="en-US" dirty="0"/>
               <a:t>Find stiffness and mass</a:t>
             </a:r>
-            <a:endParaRPr lang="en-US" dirty="0"/>
           </a:p>
         </p:txBody>
       </p:sp>
@@ -7587,13 +7408,6 @@
   <p:clrMapOvr>
     <a:masterClrMapping/>
   </p:clrMapOvr>
-  <p:timing>
-    <p:tnLst>
-      <p:par>
-        <p:cTn id="1" dur="indefinite" restart="never" nodeType="tmRoot"/>
-      </p:par>
-    </p:tnLst>
-  </p:timing>
 </p:sld>
 </file>
 
@@ -7630,7 +7444,7 @@
           <a:lstStyle/>
           <a:p>
             <a:r>
-              <a:rPr lang="it-IT" dirty="0" err="1" smtClean="0"/>
+              <a:rPr lang="it-IT" dirty="0" err="1"/>
               <a:t>Identification</a:t>
             </a:r>
             <a:endParaRPr lang="it-IT" dirty="0"/>
@@ -7660,23 +7474,18 @@
           <a:lstStyle/>
           <a:p>
             <a:r>
-              <a:rPr lang="en-US" sz="2000" b="1" dirty="0" smtClean="0">
+              <a:rPr lang="en-US" sz="2000" b="1" dirty="0">
                 <a:solidFill>
                   <a:srgbClr val="FF0000"/>
                 </a:solidFill>
               </a:rPr>
               <a:t>Static Friction</a:t>
             </a:r>
-            <a:endParaRPr lang="en-US" sz="2000" b="1" dirty="0">
-              <a:solidFill>
-                <a:srgbClr val="FF0000"/>
-              </a:solidFill>
-            </a:endParaRPr>
-          </a:p>
-        </p:txBody>
-      </p:sp>
-      <mc:AlternateContent xmlns:mc="http://schemas.openxmlformats.org/markup-compatibility/2006">
-        <mc:Choice xmlns:a14="http://schemas.microsoft.com/office/drawing/2010/main" Requires="a14">
+          </a:p>
+        </p:txBody>
+      </p:sp>
+      <mc:AlternateContent xmlns:mc="http://schemas.openxmlformats.org/markup-compatibility/2006" xmlns:a14="http://schemas.microsoft.com/office/drawing/2010/main">
+        <mc:Choice Requires="a14">
           <p:sp>
             <p:nvSpPr>
               <p:cNvPr id="4" name="TextBox 3"/>
@@ -7700,13 +7509,13 @@
               <a:lstStyle/>
               <a:p>
                 <a:r>
-                  <a:rPr lang="en-US" dirty="0" smtClean="0"/>
+                  <a:rPr lang="en-US" dirty="0"/>
                   <a:t>Another interesting problem was to identify the static friction of the entire system.</a:t>
                 </a:r>
               </a:p>
               <a:p>
                 <a:r>
-                  <a:rPr lang="en-US" dirty="0" smtClean="0"/>
+                  <a:rPr lang="en-US" dirty="0"/>
                   <a:t>How can we do that?</a:t>
                 </a:r>
               </a:p>
@@ -7714,17 +7523,17 @@
                 <a:endParaRPr lang="en-US" dirty="0"/>
               </a:p>
               <a:p>
-                <a:endParaRPr lang="en-US" dirty="0" smtClean="0"/>
+                <a:endParaRPr lang="en-US" dirty="0"/>
               </a:p>
               <a:p>
                 <a:r>
-                  <a:rPr lang="en-US" dirty="0" smtClean="0"/>
+                  <a:rPr lang="en-US" dirty="0"/>
                   <a:t>Encoder have resolution of 14 bits =&gt; 16384 steps. Then the resolution in cm is</a:t>
                 </a:r>
               </a:p>
               <a:p>
                 <a:r>
-                  <a:rPr lang="en-US" dirty="0" smtClean="0"/>
+                  <a:rPr lang="en-US" dirty="0"/>
                   <a:t>560/16384 = 0.0342 cm.</a:t>
                 </a:r>
               </a:p>
@@ -7733,7 +7542,7 @@
               </a:p>
               <a:p>
                 <a:r>
-                  <a:rPr lang="en-US" dirty="0" smtClean="0"/>
+                  <a:rPr lang="en-US" dirty="0"/>
                   <a:t>Use a linearly increasing input voltage, check for which t: </a:t>
                 </a:r>
                 <a14:m>
@@ -7744,7 +7553,7 @@
                         <m:endChr m:val="|"/>
                         <m:ctrlPr>
                           <a:rPr lang="it-IT" b="0" i="1" smtClean="0">
-                            <a:latin typeface="Cambria Math" charset="0"/>
+                            <a:latin typeface="Cambria Math" panose="02040503050406030204" pitchFamily="18" charset="0"/>
                           </a:rPr>
                         </m:ctrlPr>
                       </m:dPr>
@@ -7772,23 +7581,23 @@
                   </m:oMath>
                 </a14:m>
                 <a:r>
-                  <a:rPr lang="en-US" dirty="0" smtClean="0"/>
+                  <a:rPr lang="en-US" dirty="0"/>
                   <a:t>,</a:t>
                 </a:r>
               </a:p>
               <a:p>
                 <a:r>
-                  <a:rPr lang="en-US" dirty="0" smtClean="0"/>
+                  <a:rPr lang="en-US" dirty="0"/>
                   <a:t>Then:</a:t>
                 </a:r>
               </a:p>
               <a:p>
-                <a:endParaRPr lang="en-US" dirty="0" smtClean="0"/>
+                <a:endParaRPr lang="en-US" dirty="0"/>
               </a:p>
             </p:txBody>
           </p:sp>
         </mc:Choice>
-        <mc:Fallback>
+        <mc:Fallback xmlns="">
           <p:sp>
             <p:nvSpPr>
               <p:cNvPr id="4" name="TextBox 3"/>
@@ -7874,7 +7683,7 @@
           <a:lstStyle/>
           <a:p>
             <a:r>
-              <a:rPr lang="en-US" dirty="0" smtClean="0"/>
+              <a:rPr lang="en-US" dirty="0"/>
               <a:t>Where N is the load,</a:t>
             </a:r>
           </a:p>
@@ -7884,10 +7693,9 @@
               <a:t>i</a:t>
             </a:r>
             <a:r>
-              <a:rPr lang="en-US" dirty="0" smtClean="0"/>
+              <a:rPr lang="en-US" dirty="0"/>
               <a:t> the current at time t.</a:t>
             </a:r>
-            <a:endParaRPr lang="en-US" dirty="0"/>
           </a:p>
         </p:txBody>
       </p:sp>
@@ -7938,10 +7746,9 @@
           <a:lstStyle/>
           <a:p>
             <a:r>
-              <a:rPr lang="en-US" smtClean="0"/>
+              <a:rPr lang="en-US"/>
               <a:t>Force transmitted</a:t>
             </a:r>
-            <a:endParaRPr lang="en-US"/>
           </a:p>
         </p:txBody>
       </p:sp>
@@ -7968,25 +7775,25 @@
           <a:lstStyle/>
           <a:p>
             <a:r>
-              <a:rPr lang="en-US" dirty="0" smtClean="0"/>
+              <a:rPr lang="en-US" dirty="0"/>
               <a:t>Knowledge of the other</a:t>
             </a:r>
           </a:p>
           <a:p>
             <a:r>
-              <a:rPr lang="en-US" dirty="0" smtClean="0"/>
+              <a:rPr lang="en-US" dirty="0"/>
               <a:t>Nonlinearities was needed</a:t>
             </a:r>
           </a:p>
           <a:p>
             <a:r>
-              <a:rPr lang="en-US" dirty="0" smtClean="0"/>
+              <a:rPr lang="en-US" dirty="0"/>
               <a:t>In order to estimate the friction</a:t>
             </a:r>
           </a:p>
           <a:p>
             <a:r>
-              <a:rPr lang="en-US" dirty="0" smtClean="0"/>
+              <a:rPr lang="en-US" dirty="0"/>
               <a:t>Correctly!</a:t>
             </a:r>
           </a:p>
@@ -8002,13 +7809,6 @@
   <p:clrMapOvr>
     <a:masterClrMapping/>
   </p:clrMapOvr>
-  <p:timing>
-    <p:tnLst>
-      <p:par>
-        <p:cTn id="1" dur="indefinite" restart="never" nodeType="tmRoot"/>
-      </p:par>
-    </p:tnLst>
-  </p:timing>
 </p:sld>
 </file>
 
@@ -8045,7 +7845,7 @@
           <a:lstStyle/>
           <a:p>
             <a:r>
-              <a:rPr lang="it-IT" dirty="0" err="1" smtClean="0"/>
+              <a:rPr lang="it-IT" dirty="0" err="1"/>
               <a:t>Identification</a:t>
             </a:r>
             <a:endParaRPr lang="it-IT" dirty="0"/>
@@ -8075,18 +7875,13 @@
           <a:lstStyle/>
           <a:p>
             <a:r>
-              <a:rPr lang="en-US" sz="2000" b="1" dirty="0" smtClean="0">
+              <a:rPr lang="en-US" sz="2000" b="1" dirty="0">
                 <a:solidFill>
                   <a:srgbClr val="FF0000"/>
                 </a:solidFill>
               </a:rPr>
               <a:t>Static Friction</a:t>
             </a:r>
-            <a:endParaRPr lang="en-US" sz="2000" b="1" dirty="0">
-              <a:solidFill>
-                <a:srgbClr val="FF0000"/>
-              </a:solidFill>
-            </a:endParaRPr>
           </a:p>
         </p:txBody>
       </p:sp>
@@ -8099,7 +7894,7 @@
           <p:nvPr/>
         </p:nvPicPr>
         <p:blipFill>
-          <a:blip r:embed="rId2">
+          <a:blip r:embed="rId2" cstate="email">
             <a:extLst>
               <a:ext uri="{28A0092B-C50C-407E-A947-70E740481C1C}">
                 <a14:useLocalDpi xmlns:a14="http://schemas.microsoft.com/office/drawing/2010/main" val="0"/>
@@ -8129,7 +7924,7 @@
           <p:nvPr/>
         </p:nvPicPr>
         <p:blipFill>
-          <a:blip r:embed="rId3">
+          <a:blip r:embed="rId3" cstate="email">
             <a:extLst>
               <a:ext uri="{28A0092B-C50C-407E-A947-70E740481C1C}">
                 <a14:useLocalDpi xmlns:a14="http://schemas.microsoft.com/office/drawing/2010/main" val="0"/>
@@ -8184,13 +7979,6 @@
   <p:clrMapOvr>
     <a:masterClrMapping/>
   </p:clrMapOvr>
-  <p:timing>
-    <p:tnLst>
-      <p:par>
-        <p:cTn id="1" dur="indefinite" restart="never" nodeType="tmRoot"/>
-      </p:par>
-    </p:tnLst>
-  </p:timing>
 </p:sld>
 </file>
 
@@ -8227,7 +8015,7 @@
           <a:lstStyle/>
           <a:p>
             <a:r>
-              <a:rPr lang="it-IT" dirty="0" err="1" smtClean="0"/>
+              <a:rPr lang="it-IT" dirty="0" err="1"/>
               <a:t>Identification</a:t>
             </a:r>
             <a:endParaRPr lang="it-IT" dirty="0"/>
@@ -8256,7 +8044,7 @@
           <a:p>
             <a:pPr algn="ctr"/>
             <a:r>
-              <a:rPr lang="it-IT" sz="7200" b="1" dirty="0" err="1" smtClean="0"/>
+              <a:rPr lang="it-IT" sz="7200" b="1" dirty="0" err="1"/>
               <a:t>Filtering</a:t>
             </a:r>
             <a:endParaRPr lang="it-IT" sz="7200" b="1" dirty="0"/>
@@ -8273,13 +8061,6 @@
   <p:clrMapOvr>
     <a:masterClrMapping/>
   </p:clrMapOvr>
-  <p:timing>
-    <p:tnLst>
-      <p:par>
-        <p:cTn id="1" dur="indefinite" restart="never" nodeType="tmRoot"/>
-      </p:par>
-    </p:tnLst>
-  </p:timing>
 </p:sld>
 </file>
 
@@ -8316,7 +8097,7 @@
           <a:lstStyle/>
           <a:p>
             <a:r>
-              <a:rPr lang="it-IT" dirty="0" err="1" smtClean="0"/>
+              <a:rPr lang="it-IT" dirty="0" err="1"/>
               <a:t>Identification</a:t>
             </a:r>
             <a:endParaRPr lang="it-IT" dirty="0"/>
@@ -8346,21 +8127,21 @@
           <a:lstStyle/>
           <a:p>
             <a:r>
-              <a:rPr lang="en-US" dirty="0" smtClean="0"/>
+              <a:rPr lang="en-US" dirty="0"/>
               <a:t>Noisy current sensor, third encoder not available. How to do state feedback,</a:t>
             </a:r>
           </a:p>
           <a:p>
             <a:r>
-              <a:rPr lang="en-US" dirty="0" smtClean="0"/>
+              <a:rPr lang="en-US" dirty="0"/>
               <a:t>Pole placement, </a:t>
             </a:r>
             <a:r>
-              <a:rPr lang="en-US" dirty="0" err="1" smtClean="0"/>
+              <a:rPr lang="en-US" dirty="0" err="1"/>
               <a:t>etc</a:t>
             </a:r>
             <a:r>
-              <a:rPr lang="is-IS" dirty="0" smtClean="0"/>
+              <a:rPr lang="is-IS" dirty="0"/>
               <a:t>…?</a:t>
             </a:r>
           </a:p>
@@ -8369,7 +8150,7 @@
           </a:p>
           <a:p>
             <a:r>
-              <a:rPr lang="is-IS" dirty="0" smtClean="0"/>
+              <a:rPr lang="is-IS" dirty="0"/>
               <a:t>Use of Luenberger/Kalman observer. Tests done:</a:t>
             </a:r>
           </a:p>
@@ -8383,11 +8164,7 @@
             </a:pPr>
             <a:r>
               <a:rPr lang="en-US" sz="1400" dirty="0"/>
-              <a:t>Estimate of the carts position (all 3 degree of freedom) using only the current</a:t>
-            </a:r>
-            <a:r>
-              <a:rPr lang="en-US" sz="1400" dirty="0" smtClean="0"/>
-              <a:t>.</a:t>
+              <a:t>Estimate of the carts position (all 3 degree of freedom) using only the current.</a:t>
             </a:r>
           </a:p>
           <a:p>
@@ -8399,7 +8176,6 @@
               <a:rPr lang="en-US" sz="1400" dirty="0"/>
               <a:t>Estimate of the carts position (second and third cart) using the current and the data from the first encoder. </a:t>
             </a:r>
-            <a:endParaRPr lang="en-US" sz="1400" dirty="0"/>
           </a:p>
           <a:p>
             <a:pPr marL="342900" indent="-342900">
@@ -8420,7 +8196,7 @@
               <a:buFont typeface="+mj-lt"/>
               <a:buAutoNum type="arabicPeriod"/>
             </a:pPr>
-            <a:endParaRPr lang="is-IS" dirty="0" smtClean="0"/>
+            <a:endParaRPr lang="is-IS" dirty="0"/>
           </a:p>
           <a:p>
             <a:endParaRPr lang="is-IS" dirty="0"/>
@@ -8436,7 +8212,7 @@
           <p:nvPr/>
         </p:nvPicPr>
         <p:blipFill>
-          <a:blip r:embed="rId2">
+          <a:blip r:embed="rId2" cstate="email">
             <a:extLst>
               <a:ext uri="{28A0092B-C50C-407E-A947-70E740481C1C}">
                 <a14:useLocalDpi xmlns:a14="http://schemas.microsoft.com/office/drawing/2010/main" val="0"/>
@@ -8466,7 +8242,7 @@
           <p:nvPr/>
         </p:nvPicPr>
         <p:blipFill>
-          <a:blip r:embed="rId3">
+          <a:blip r:embed="rId3" cstate="email">
             <a:extLst>
               <a:ext uri="{28A0092B-C50C-407E-A947-70E740481C1C}">
                 <a14:useLocalDpi xmlns:a14="http://schemas.microsoft.com/office/drawing/2010/main" val="0"/>
@@ -8510,10 +8286,9 @@
           <a:lstStyle/>
           <a:p>
             <a:r>
-              <a:rPr lang="en-US" dirty="0" smtClean="0"/>
+              <a:rPr lang="en-US" dirty="0"/>
               <a:t>90% fit</a:t>
             </a:r>
-            <a:endParaRPr lang="en-US" dirty="0"/>
           </a:p>
         </p:txBody>
       </p:sp>
@@ -8527,13 +8302,6 @@
   <p:clrMapOvr>
     <a:masterClrMapping/>
   </p:clrMapOvr>
-  <p:timing>
-    <p:tnLst>
-      <p:par>
-        <p:cTn id="1" dur="indefinite" restart="never" nodeType="tmRoot"/>
-      </p:par>
-    </p:tnLst>
-  </p:timing>
 </p:sld>
 </file>
 
@@ -8570,7 +8338,7 @@
           <a:lstStyle/>
           <a:p>
             <a:r>
-              <a:rPr lang="it-IT" dirty="0" err="1" smtClean="0"/>
+              <a:rPr lang="it-IT" dirty="0" err="1"/>
               <a:t>Identification</a:t>
             </a:r>
             <a:endParaRPr lang="it-IT" dirty="0"/>
@@ -8586,7 +8354,7 @@
           <p:nvPr/>
         </p:nvPicPr>
         <p:blipFill>
-          <a:blip r:embed="rId2">
+          <a:blip r:embed="rId2" cstate="email">
             <a:extLst>
               <a:ext uri="{28A0092B-C50C-407E-A947-70E740481C1C}">
                 <a14:useLocalDpi xmlns:a14="http://schemas.microsoft.com/office/drawing/2010/main" val="0"/>
@@ -8693,18 +8461,13 @@
           <a:lstStyle/>
           <a:p>
             <a:r>
-              <a:rPr lang="en-US" smtClean="0">
+              <a:rPr lang="en-US">
                 <a:solidFill>
                   <a:srgbClr val="FF0000"/>
                 </a:solidFill>
               </a:rPr>
               <a:t>T</a:t>
             </a:r>
-            <a:endParaRPr lang="en-US">
-              <a:solidFill>
-                <a:srgbClr val="FF0000"/>
-              </a:solidFill>
-            </a:endParaRPr>
           </a:p>
         </p:txBody>
       </p:sp>
@@ -8731,7 +8494,7 @@
           <a:lstStyle/>
           <a:p>
             <a:r>
-              <a:rPr lang="en-US" dirty="0" smtClean="0"/>
+              <a:rPr lang="en-US" dirty="0"/>
               <a:t>w= 2pi/T</a:t>
             </a:r>
           </a:p>
@@ -8953,18 +8716,13 @@
           <a:lstStyle/>
           <a:p>
             <a:r>
-              <a:rPr lang="en-US" dirty="0" smtClean="0">
+              <a:rPr lang="en-US" dirty="0">
                 <a:solidFill>
                   <a:srgbClr val="FF0000"/>
                 </a:solidFill>
               </a:rPr>
               <a:t>X(T)</a:t>
             </a:r>
-            <a:endParaRPr lang="en-US" dirty="0">
-              <a:solidFill>
-                <a:srgbClr val="FF0000"/>
-              </a:solidFill>
-            </a:endParaRPr>
           </a:p>
         </p:txBody>
       </p:sp>
@@ -8991,18 +8749,13 @@
           <a:lstStyle/>
           <a:p>
             <a:r>
-              <a:rPr lang="en-US" dirty="0" smtClean="0">
+              <a:rPr lang="en-US" dirty="0">
                 <a:solidFill>
                   <a:srgbClr val="FF0000"/>
                 </a:solidFill>
               </a:rPr>
               <a:t>X(0)</a:t>
             </a:r>
-            <a:endParaRPr lang="en-US" dirty="0">
-              <a:solidFill>
-                <a:srgbClr val="FF0000"/>
-              </a:solidFill>
-            </a:endParaRPr>
           </a:p>
         </p:txBody>
       </p:sp>
@@ -9049,13 +8802,6 @@
   <p:clrMapOvr>
     <a:masterClrMapping/>
   </p:clrMapOvr>
-  <p:timing>
-    <p:tnLst>
-      <p:par>
-        <p:cTn id="1" dur="indefinite" restart="never" nodeType="tmRoot"/>
-      </p:par>
-    </p:tnLst>
-  </p:timing>
 </p:sld>
 </file>
 
@@ -9092,7 +8838,7 @@
           <a:lstStyle/>
           <a:p>
             <a:r>
-              <a:rPr lang="it-IT" dirty="0" err="1" smtClean="0"/>
+              <a:rPr lang="it-IT" dirty="0" err="1"/>
               <a:t>Identification</a:t>
             </a:r>
             <a:endParaRPr lang="it-IT" dirty="0"/>
@@ -9122,22 +8868,21 @@
           <a:lstStyle/>
           <a:p>
             <a:r>
-              <a:rPr lang="en-US" dirty="0" smtClean="0"/>
+              <a:rPr lang="en-US" dirty="0"/>
               <a:t>To find the stiffness of the spring and the mass of the cart we need two equations..</a:t>
             </a:r>
           </a:p>
           <a:p>
             <a:r>
-              <a:rPr lang="en-US" dirty="0" smtClean="0"/>
+              <a:rPr lang="en-US" dirty="0"/>
               <a:t>Since we have 2 unknown variables! But what coefficient do we change? The mass!</a:t>
             </a:r>
           </a:p>
           <a:p>
             <a:r>
-              <a:rPr lang="en-US" dirty="0" smtClean="0"/>
+              <a:rPr lang="en-US" dirty="0"/>
               <a:t>We know the load!</a:t>
             </a:r>
-            <a:endParaRPr lang="en-US" dirty="0"/>
           </a:p>
         </p:txBody>
       </p:sp>
@@ -9165,8 +8910,8 @@
           </a:prstGeom>
         </p:spPr>
       </p:pic>
-      <mc:AlternateContent xmlns:mc="http://schemas.openxmlformats.org/markup-compatibility/2006">
-        <mc:Choice xmlns:a14="http://schemas.microsoft.com/office/drawing/2010/main" Requires="a14">
+      <mc:AlternateContent xmlns:mc="http://schemas.openxmlformats.org/markup-compatibility/2006" xmlns:a14="http://schemas.microsoft.com/office/drawing/2010/main">
+        <mc:Choice Requires="a14">
           <p:sp>
             <p:nvSpPr>
               <p:cNvPr id="6" name="TextBox 5"/>
@@ -9195,7 +8940,7 @@
                       <m:sSubPr>
                         <m:ctrlPr>
                           <a:rPr lang="it-IT" sz="1400" b="0" i="1" smtClean="0">
-                            <a:latin typeface="Cambria Math" charset="0"/>
+                            <a:latin typeface="Cambria Math" panose="02040503050406030204" pitchFamily="18" charset="0"/>
                           </a:rPr>
                         </m:ctrlPr>
                       </m:sSubPr>
@@ -9219,7 +8964,7 @@
                   </m:oMath>
                 </a14:m>
                 <a:r>
-                  <a:rPr lang="en-US" sz="1400" dirty="0" smtClean="0"/>
+                  <a:rPr lang="en-US" sz="1400" dirty="0"/>
                   <a:t>: natural pulsation with additional load</a:t>
                 </a:r>
               </a:p>
@@ -9230,7 +8975,7 @@
                       <m:sSubPr>
                         <m:ctrlPr>
                           <a:rPr lang="it-IT" sz="1400" i="1">
-                            <a:latin typeface="Cambria Math" charset="0"/>
+                            <a:latin typeface="Cambria Math" panose="02040503050406030204" pitchFamily="18" charset="0"/>
                           </a:rPr>
                         </m:ctrlPr>
                       </m:sSubPr>
@@ -9260,7 +9005,7 @@
                   </m:oMath>
                 </a14:m>
                 <a:r>
-                  <a:rPr lang="en-US" sz="1400" dirty="0" smtClean="0"/>
+                  <a:rPr lang="en-US" sz="1400" dirty="0"/>
                   <a:t>natural pulsation without any load</a:t>
                 </a:r>
               </a:p>
@@ -9271,7 +9016,7 @@
                       <m:sSubPr>
                         <m:ctrlPr>
                           <a:rPr lang="it-IT" sz="1400" i="1">
-                            <a:latin typeface="Cambria Math" charset="0"/>
+                            <a:latin typeface="Cambria Math" panose="02040503050406030204" pitchFamily="18" charset="0"/>
                           </a:rPr>
                         </m:ctrlPr>
                       </m:sSubPr>
@@ -9301,7 +9046,7 @@
                   </m:oMath>
                 </a14:m>
                 <a:r>
-                  <a:rPr lang="en-US" sz="1400" dirty="0" smtClean="0"/>
+                  <a:rPr lang="en-US" sz="1400" dirty="0"/>
                   <a:t> load in kilograms</a:t>
                 </a:r>
               </a:p>
@@ -9312,7 +9057,7 @@
                       <m:sSubPr>
                         <m:ctrlPr>
                           <a:rPr lang="it-IT" sz="1400" i="1">
-                            <a:latin typeface="Cambria Math" charset="0"/>
+                            <a:latin typeface="Cambria Math" panose="02040503050406030204" pitchFamily="18" charset="0"/>
                           </a:rPr>
                         </m:ctrlPr>
                       </m:sSubPr>
@@ -9343,11 +9088,7 @@
                 </a14:m>
                 <a:r>
                   <a:rPr lang="en-US" sz="1400" dirty="0"/>
-                  <a:t> </a:t>
-                </a:r>
-                <a:r>
-                  <a:rPr lang="en-US" sz="1400" dirty="0" smtClean="0"/>
-                  <a:t>mass of the cart in kilograms</a:t>
+                  <a:t> mass of the cart in kilograms</a:t>
                 </a:r>
               </a:p>
               <a:p>
@@ -9357,7 +9098,7 @@
                       <m:sSubPr>
                         <m:ctrlPr>
                           <a:rPr lang="it-IT" sz="1400" i="1">
-                            <a:latin typeface="Cambria Math" charset="0"/>
+                            <a:latin typeface="Cambria Math" panose="02040503050406030204" pitchFamily="18" charset="0"/>
                           </a:rPr>
                         </m:ctrlPr>
                       </m:sSubPr>
@@ -9387,23 +9128,22 @@
                   </m:oMath>
                 </a14:m>
                 <a:r>
-                  <a:rPr lang="en-US" sz="1400" dirty="0" smtClean="0"/>
+                  <a:rPr lang="en-US" sz="1400" dirty="0"/>
                   <a:t> stiffness of the </a:t>
                 </a:r>
                 <a:r>
-                  <a:rPr lang="en-US" sz="1400" dirty="0" err="1" smtClean="0"/>
+                  <a:rPr lang="en-US" sz="1400" dirty="0" err="1"/>
                   <a:t>i</a:t>
                 </a:r>
                 <a:r>
-                  <a:rPr lang="en-US" sz="1400" dirty="0" smtClean="0"/>
+                  <a:rPr lang="en-US" sz="1400" dirty="0"/>
                   <a:t>-eth spring</a:t>
                 </a:r>
-                <a:endParaRPr lang="en-US" sz="1400" dirty="0"/>
               </a:p>
             </p:txBody>
           </p:sp>
         </mc:Choice>
-        <mc:Fallback>
+        <mc:Fallback xmlns="">
           <p:sp>
             <p:nvSpPr>
               <p:cNvPr id="6" name="TextBox 5"/>
@@ -9442,8 +9182,8 @@
           </p:sp>
         </mc:Fallback>
       </mc:AlternateContent>
-      <mc:AlternateContent xmlns:mc="http://schemas.openxmlformats.org/markup-compatibility/2006">
-        <mc:Choice xmlns:a14="http://schemas.microsoft.com/office/drawing/2010/main" Requires="a14">
+      <mc:AlternateContent xmlns:mc="http://schemas.openxmlformats.org/markup-compatibility/2006" xmlns:a14="http://schemas.microsoft.com/office/drawing/2010/main">
+        <mc:Choice Requires="a14">
           <p:sp>
             <p:nvSpPr>
               <p:cNvPr id="7" name="TextBox 6"/>
@@ -9467,7 +9207,7 @@
               <a:lstStyle/>
               <a:p>
                 <a:r>
-                  <a:rPr lang="en-US" dirty="0" smtClean="0"/>
+                  <a:rPr lang="en-US" dirty="0"/>
                   <a:t>Remember, </a:t>
                 </a:r>
                 <a14:m>
@@ -9476,7 +9216,7 @@
                       <m:sSubSupPr>
                         <m:ctrlPr>
                           <a:rPr lang="it-IT" b="0" i="1" smtClean="0">
-                            <a:latin typeface="Cambria Math" charset="0"/>
+                            <a:latin typeface="Cambria Math" panose="02040503050406030204" pitchFamily="18" charset="0"/>
                           </a:rPr>
                         </m:ctrlPr>
                       </m:sSubSupPr>
@@ -9508,7 +9248,7 @@
                       <m:fPr>
                         <m:ctrlPr>
                           <a:rPr lang="it-IT" b="0" i="1" smtClean="0">
-                            <a:latin typeface="Cambria Math" charset="0"/>
+                            <a:latin typeface="Cambria Math" panose="02040503050406030204" pitchFamily="18" charset="0"/>
                           </a:rPr>
                         </m:ctrlPr>
                       </m:fPr>
@@ -9532,15 +9272,14 @@
                   </m:oMath>
                 </a14:m>
                 <a:r>
-                  <a:rPr lang="en-US" dirty="0" smtClean="0"/>
+                  <a:rPr lang="en-US" dirty="0"/>
                   <a:t> </a:t>
                 </a:r>
-                <a:endParaRPr lang="en-US" dirty="0"/>
               </a:p>
             </p:txBody>
           </p:sp>
         </mc:Choice>
-        <mc:Fallback>
+        <mc:Fallback xmlns="">
           <p:sp>
             <p:nvSpPr>
               <p:cNvPr id="7" name="TextBox 6"/>
@@ -9653,13 +9392,6 @@
   <p:clrMapOvr>
     <a:masterClrMapping/>
   </p:clrMapOvr>
-  <p:timing>
-    <p:tnLst>
-      <p:par>
-        <p:cTn id="1" dur="indefinite" restart="never" nodeType="tmRoot"/>
-      </p:par>
-    </p:tnLst>
-  </p:timing>
 </p:sld>
 </file>
 
@@ -9696,7 +9428,7 @@
           <a:lstStyle/>
           <a:p>
             <a:r>
-              <a:rPr lang="it-IT" dirty="0" err="1" smtClean="0"/>
+              <a:rPr lang="it-IT" dirty="0" err="1"/>
               <a:t>Identification</a:t>
             </a:r>
             <a:endParaRPr lang="it-IT" dirty="0"/>
@@ -9712,7 +9444,7 @@
           <p:nvPr/>
         </p:nvPicPr>
         <p:blipFill>
-          <a:blip r:embed="rId2">
+          <a:blip r:embed="rId2" cstate="email">
             <a:extLst>
               <a:ext uri="{28A0092B-C50C-407E-A947-70E740481C1C}">
                 <a14:useLocalDpi xmlns:a14="http://schemas.microsoft.com/office/drawing/2010/main" val="0"/>
@@ -9755,7 +9487,7 @@
           <a:p>
             <a:pPr algn="ctr"/>
             <a:r>
-              <a:rPr lang="it-IT" sz="5400" b="1" dirty="0" err="1" smtClean="0">
+              <a:rPr lang="it-IT" sz="5400" b="1" dirty="0" err="1">
                 <a:solidFill>
                   <a:srgbClr val="FF0000"/>
                 </a:solidFill>
@@ -9785,7 +9517,7 @@
           <p:nvPr/>
         </p:nvPicPr>
         <p:blipFill>
-          <a:blip r:embed="rId3">
+          <a:blip r:embed="rId3" cstate="email">
             <a:extLst>
               <a:ext uri="{28A0092B-C50C-407E-A947-70E740481C1C}">
                 <a14:useLocalDpi xmlns:a14="http://schemas.microsoft.com/office/drawing/2010/main" val="0"/>
@@ -9829,16 +9561,15 @@
           <a:lstStyle/>
           <a:p>
             <a:r>
-              <a:rPr lang="en-US" dirty="0" smtClean="0"/>
+              <a:rPr lang="en-US" dirty="0"/>
               <a:t>Identification: use same x(0)</a:t>
             </a:r>
           </a:p>
           <a:p>
             <a:r>
-              <a:rPr lang="en-US" dirty="0" smtClean="0"/>
+              <a:rPr lang="en-US" dirty="0"/>
               <a:t>Validation: random x(0)</a:t>
             </a:r>
-            <a:endParaRPr lang="en-US" dirty="0"/>
           </a:p>
         </p:txBody>
       </p:sp>
@@ -10027,10 +9758,9 @@
           <a:lstStyle/>
           <a:p>
             <a:r>
-              <a:rPr lang="en-US" smtClean="0"/>
+              <a:rPr lang="en-US"/>
               <a:t>Friction effect!</a:t>
             </a:r>
-            <a:endParaRPr lang="en-US"/>
           </a:p>
         </p:txBody>
       </p:sp>
@@ -10057,7 +9787,7 @@
           <a:lstStyle/>
           <a:p>
             <a:r>
-              <a:rPr lang="en-US" i="1" u="sng" dirty="0" smtClean="0">
+              <a:rPr lang="en-US" i="1" u="sng" dirty="0">
                 <a:solidFill>
                   <a:schemeClr val="tx2">
                     <a:lumMod val="60000"/>
@@ -10068,7 +9798,7 @@
               <a:t>Orange</a:t>
             </a:r>
             <a:r>
-              <a:rPr lang="en-US" i="1" u="sng" smtClean="0">
+              <a:rPr lang="en-US" i="1" u="sng">
                 <a:solidFill>
                   <a:schemeClr val="tx2">
                     <a:lumMod val="60000"/>
@@ -10078,7 +9808,7 @@
               </a:rPr>
               <a:t>: simulated signal</a:t>
             </a:r>
-            <a:endParaRPr lang="en-US" i="1" u="sng" dirty="0" smtClean="0">
+            <a:endParaRPr lang="en-US" i="1" u="sng" dirty="0">
               <a:solidFill>
                 <a:schemeClr val="tx2">
                   <a:lumMod val="60000"/>
@@ -10089,7 +9819,7 @@
           </a:p>
           <a:p>
             <a:r>
-              <a:rPr lang="en-US" i="1" u="sng" dirty="0" smtClean="0">
+              <a:rPr lang="en-US" i="1" u="sng" dirty="0">
                 <a:solidFill>
                   <a:schemeClr val="tx2">
                     <a:lumMod val="60000"/>
@@ -10099,14 +9829,6 @@
               </a:rPr>
               <a:t>Blue: real signal</a:t>
             </a:r>
-            <a:endParaRPr lang="en-US" i="1" u="sng" dirty="0">
-              <a:solidFill>
-                <a:schemeClr val="tx2">
-                  <a:lumMod val="60000"/>
-                  <a:lumOff val="40000"/>
-                </a:schemeClr>
-              </a:solidFill>
-            </a:endParaRPr>
           </a:p>
         </p:txBody>
       </p:sp>
@@ -10120,13 +9842,6 @@
   <p:clrMapOvr>
     <a:masterClrMapping/>
   </p:clrMapOvr>
-  <p:timing>
-    <p:tnLst>
-      <p:par>
-        <p:cTn id="1" dur="indefinite" restart="never" nodeType="tmRoot"/>
-      </p:par>
-    </p:tnLst>
-  </p:timing>
 </p:sld>
 </file>
 
@@ -10163,7 +9878,7 @@
           <a:lstStyle/>
           <a:p>
             <a:r>
-              <a:rPr lang="it-IT" dirty="0" err="1" smtClean="0"/>
+              <a:rPr lang="it-IT" dirty="0" err="1"/>
               <a:t>Identification</a:t>
             </a:r>
             <a:endParaRPr lang="it-IT" dirty="0"/>
@@ -10192,23 +9907,23 @@
           <a:p>
             <a:pPr algn="ctr"/>
             <a:r>
-              <a:rPr lang="it-IT" sz="7200" b="1" dirty="0" err="1" smtClean="0"/>
+              <a:rPr lang="it-IT" sz="7200" b="1" dirty="0" err="1"/>
               <a:t>Overall</a:t>
             </a:r>
             <a:r>
-              <a:rPr lang="it-IT" sz="7200" b="1" dirty="0" smtClean="0"/>
+              <a:rPr lang="it-IT" sz="7200" b="1" dirty="0"/>
               <a:t> </a:t>
             </a:r>
             <a:r>
-              <a:rPr lang="it-IT" sz="7200" b="1" dirty="0" err="1" smtClean="0"/>
+              <a:rPr lang="it-IT" sz="7200" b="1" dirty="0" err="1"/>
               <a:t>system</a:t>
             </a:r>
-            <a:endParaRPr lang="it-IT" sz="7200" b="1" dirty="0" smtClean="0"/>
+            <a:endParaRPr lang="it-IT" sz="7200" b="1" dirty="0"/>
           </a:p>
           <a:p>
             <a:pPr algn="ctr"/>
             <a:r>
-              <a:rPr lang="it-IT" sz="7200" b="1" dirty="0" err="1" smtClean="0"/>
+              <a:rPr lang="it-IT" sz="7200" b="1" dirty="0" err="1"/>
               <a:t>Identification</a:t>
             </a:r>
             <a:endParaRPr lang="it-IT" sz="7200" b="1" dirty="0"/>
@@ -10225,13 +9940,6 @@
   <p:clrMapOvr>
     <a:masterClrMapping/>
   </p:clrMapOvr>
-  <p:timing>
-    <p:tnLst>
-      <p:par>
-        <p:cTn id="1" dur="indefinite" restart="never" nodeType="tmRoot"/>
-      </p:par>
-    </p:tnLst>
-  </p:timing>
 </p:sld>
 </file>
 
@@ -10268,7 +9976,7 @@
           <a:lstStyle/>
           <a:p>
             <a:r>
-              <a:rPr lang="it-IT" dirty="0" err="1" smtClean="0"/>
+              <a:rPr lang="it-IT" dirty="0" err="1"/>
               <a:t>Identification</a:t>
             </a:r>
             <a:endParaRPr lang="it-IT" dirty="0"/>
@@ -10298,13 +10006,13 @@
           <a:lstStyle/>
           <a:p>
             <a:r>
-              <a:rPr lang="en-US" dirty="0" smtClean="0"/>
+              <a:rPr lang="en-US" dirty="0"/>
               <a:t>So far we estimated the main parameters of the motor, and of the cart.</a:t>
             </a:r>
           </a:p>
           <a:p>
             <a:r>
-              <a:rPr lang="en-US" dirty="0" smtClean="0"/>
+              <a:rPr lang="en-US" dirty="0"/>
               <a:t>We still miss:</a:t>
             </a:r>
           </a:p>
@@ -10314,7 +10022,7 @@
               <a:buAutoNum type="arabicPeriod"/>
             </a:pPr>
             <a:r>
-              <a:rPr lang="en-US" dirty="0" smtClean="0"/>
+              <a:rPr lang="en-US" dirty="0"/>
               <a:t>Electrical torque constant</a:t>
             </a:r>
           </a:p>
@@ -10324,7 +10032,7 @@
               <a:buAutoNum type="arabicPeriod"/>
             </a:pPr>
             <a:r>
-              <a:rPr lang="en-US" dirty="0" smtClean="0"/>
+              <a:rPr lang="en-US" dirty="0"/>
               <a:t>Inertia of the motor/pinion/rack</a:t>
             </a:r>
           </a:p>
@@ -10334,7 +10042,7 @@
               <a:buAutoNum type="arabicPeriod"/>
             </a:pPr>
             <a:r>
-              <a:rPr lang="en-US" dirty="0" smtClean="0"/>
+              <a:rPr lang="en-US" dirty="0"/>
               <a:t>Induced stiffness and damping of the motor</a:t>
             </a:r>
           </a:p>
@@ -10363,18 +10071,18 @@
           <a:lstStyle/>
           <a:p>
             <a:r>
-              <a:rPr lang="en-US" dirty="0" smtClean="0"/>
+              <a:rPr lang="en-US" dirty="0"/>
               <a:t>Therefore: attach the cart to the rack, use same experiments used to identify the motor, and use the techniques presented before to estimate the mass/inertia, stiffness, damping, </a:t>
             </a:r>
             <a:r>
-              <a:rPr lang="en-US" dirty="0" err="1" smtClean="0"/>
+              <a:rPr lang="en-US" dirty="0" err="1"/>
               <a:t>etc</a:t>
             </a:r>
             <a:r>
-              <a:rPr lang="is-IS" dirty="0" smtClean="0"/>
+              <a:rPr lang="is-IS" dirty="0"/>
               <a:t>…</a:t>
             </a:r>
-            <a:endParaRPr lang="en-US" dirty="0" smtClean="0"/>
+            <a:endParaRPr lang="en-US" dirty="0"/>
           </a:p>
         </p:txBody>
       </p:sp>
@@ -10412,13 +10120,6 @@
   <p:clrMapOvr>
     <a:masterClrMapping/>
   </p:clrMapOvr>
-  <p:timing>
-    <p:tnLst>
-      <p:par>
-        <p:cTn id="1" dur="indefinite" restart="never" nodeType="tmRoot"/>
-      </p:par>
-    </p:tnLst>
-  </p:timing>
 </p:sld>
 </file>
 
@@ -10455,7 +10156,7 @@
           <a:lstStyle/>
           <a:p>
             <a:r>
-              <a:rPr lang="it-IT" dirty="0" err="1" smtClean="0"/>
+              <a:rPr lang="it-IT" dirty="0" err="1"/>
               <a:t>Identification</a:t>
             </a:r>
             <a:endParaRPr lang="it-IT" dirty="0"/>
@@ -10485,10 +10186,9 @@
           <a:lstStyle/>
           <a:p>
             <a:r>
-              <a:rPr lang="en-US" dirty="0" smtClean="0"/>
+              <a:rPr lang="en-US" dirty="0"/>
               <a:t>Force transmitted from the motor:</a:t>
             </a:r>
-            <a:endParaRPr lang="en-US" dirty="0"/>
           </a:p>
         </p:txBody>
       </p:sp>
@@ -10675,10 +10375,9 @@
           <a:lstStyle/>
           <a:p>
             <a:r>
-              <a:rPr lang="en-US" sz="1100" dirty="0" smtClean="0"/>
+              <a:rPr lang="en-US" sz="1100" dirty="0"/>
               <a:t>Diameter of the pinion</a:t>
             </a:r>
-            <a:endParaRPr lang="en-US" sz="1100" dirty="0"/>
           </a:p>
         </p:txBody>
       </p:sp>
@@ -10797,16 +10496,15 @@
           <a:lstStyle/>
           <a:p>
             <a:r>
-              <a:rPr lang="en-US" sz="1100" dirty="0" smtClean="0"/>
+              <a:rPr lang="en-US" sz="1100" dirty="0"/>
               <a:t>Electrical torque</a:t>
             </a:r>
           </a:p>
           <a:p>
             <a:r>
-              <a:rPr lang="en-US" sz="1100" dirty="0" smtClean="0"/>
+              <a:rPr lang="en-US" sz="1100" dirty="0"/>
               <a:t>constant</a:t>
             </a:r>
-            <a:endParaRPr lang="en-US" sz="1100" dirty="0"/>
           </a:p>
         </p:txBody>
       </p:sp>
@@ -10833,10 +10531,9 @@
           <a:lstStyle/>
           <a:p>
             <a:r>
-              <a:rPr lang="en-US" dirty="0" smtClean="0"/>
+              <a:rPr lang="en-US" dirty="0"/>
               <a:t>To identify gamma use: </a:t>
             </a:r>
-            <a:endParaRPr lang="en-US" dirty="0"/>
           </a:p>
         </p:txBody>
       </p:sp>
@@ -10863,14 +10560,13 @@
           <a:lstStyle/>
           <a:p>
             <a:r>
-              <a:rPr lang="en-US" dirty="0" smtClean="0"/>
+              <a:rPr lang="en-US" dirty="0"/>
               <a:t>Where infinity stands </a:t>
             </a:r>
             <a:r>
-              <a:rPr lang="en-US" smtClean="0"/>
+              <a:rPr lang="en-US"/>
               <a:t>for steady state</a:t>
             </a:r>
-            <a:endParaRPr lang="en-US"/>
           </a:p>
         </p:txBody>
       </p:sp>
@@ -10897,10 +10593,9 @@
           <a:lstStyle/>
           <a:p>
             <a:r>
-              <a:rPr lang="en-US" dirty="0" smtClean="0"/>
+              <a:rPr lang="en-US" dirty="0"/>
               <a:t>What about electrical torque constant?</a:t>
             </a:r>
-            <a:endParaRPr lang="en-US" dirty="0"/>
           </a:p>
         </p:txBody>
       </p:sp>
@@ -10928,8 +10623,8 @@
           </a:prstGeom>
         </p:spPr>
       </p:pic>
-      <mc:AlternateContent xmlns:mc="http://schemas.openxmlformats.org/markup-compatibility/2006">
-        <mc:Choice xmlns:a14="http://schemas.microsoft.com/office/drawing/2010/main" Requires="a14">
+      <mc:AlternateContent xmlns:mc="http://schemas.openxmlformats.org/markup-compatibility/2006" xmlns:a14="http://schemas.microsoft.com/office/drawing/2010/main">
+        <mc:Choice Requires="a14">
           <p:sp>
             <p:nvSpPr>
               <p:cNvPr id="10" name="TextBox 9"/>
@@ -10953,7 +10648,7 @@
               <a:lstStyle/>
               <a:p>
                 <a:r>
-                  <a:rPr lang="en-US" dirty="0" smtClean="0"/>
+                  <a:rPr lang="en-US" dirty="0"/>
                   <a:t>Remember, </a:t>
                 </a:r>
                 <a14:m>
@@ -10968,7 +10663,7 @@
                       <m:dPr>
                         <m:ctrlPr>
                           <a:rPr lang="it-IT" b="0" i="1" smtClean="0">
-                            <a:latin typeface="Cambria Math" charset="0"/>
+                            <a:latin typeface="Cambria Math" panose="02040503050406030204" pitchFamily="18" charset="0"/>
                           </a:rPr>
                         </m:ctrlPr>
                       </m:dPr>
@@ -10991,7 +10686,7 @@
                       <m:sSubPr>
                         <m:ctrlPr>
                           <a:rPr lang="it-IT" b="0" i="1" smtClean="0">
-                            <a:latin typeface="Cambria Math" charset="0"/>
+                            <a:latin typeface="Cambria Math" panose="02040503050406030204" pitchFamily="18" charset="0"/>
                           </a:rPr>
                         </m:ctrlPr>
                       </m:sSubPr>
@@ -11016,7 +10711,7 @@
                       <m:dPr>
                         <m:ctrlPr>
                           <a:rPr lang="it-IT" b="0" i="1" smtClean="0">
-                            <a:latin typeface="Cambria Math" charset="0"/>
+                            <a:latin typeface="Cambria Math" panose="02040503050406030204" pitchFamily="18" charset="0"/>
                           </a:rPr>
                         </m:ctrlPr>
                       </m:dPr>
@@ -11033,7 +10728,7 @@
                       <m:sSubPr>
                         <m:ctrlPr>
                           <a:rPr lang="it-IT" b="0" i="1" smtClean="0">
-                            <a:latin typeface="Cambria Math" charset="0"/>
+                            <a:latin typeface="Cambria Math" panose="02040503050406030204" pitchFamily="18" charset="0"/>
                           </a:rPr>
                         </m:ctrlPr>
                       </m:sSubPr>
@@ -11058,7 +10753,7 @@
                       <m:dPr>
                         <m:ctrlPr>
                           <a:rPr lang="it-IT" b="0" i="1" smtClean="0">
-                            <a:latin typeface="Cambria Math" charset="0"/>
+                            <a:latin typeface="Cambria Math" panose="02040503050406030204" pitchFamily="18" charset="0"/>
                           </a:rPr>
                         </m:ctrlPr>
                       </m:dPr>
@@ -11081,7 +10776,7 @@
                       <m:dPr>
                         <m:ctrlPr>
                           <a:rPr lang="it-IT" b="0" i="1" smtClean="0">
-                            <a:latin typeface="Cambria Math" charset="0"/>
+                            <a:latin typeface="Cambria Math" panose="02040503050406030204" pitchFamily="18" charset="0"/>
                           </a:rPr>
                         </m:ctrlPr>
                       </m:dPr>
@@ -11101,7 +10796,7 @@
             </p:txBody>
           </p:sp>
         </mc:Choice>
-        <mc:Fallback>
+        <mc:Fallback xmlns="">
           <p:sp>
             <p:nvSpPr>
               <p:cNvPr id="10" name="TextBox 9"/>
@@ -11187,10 +10882,9 @@
           <a:lstStyle/>
           <a:p>
             <a:r>
-              <a:rPr lang="en-US" dirty="0" smtClean="0"/>
+              <a:rPr lang="en-US" dirty="0"/>
               <a:t>,</a:t>
             </a:r>
-            <a:endParaRPr lang="en-US" dirty="0"/>
           </a:p>
         </p:txBody>
       </p:sp>
@@ -11204,13 +10898,6 @@
   <p:clrMapOvr>
     <a:masterClrMapping/>
   </p:clrMapOvr>
-  <p:timing>
-    <p:tnLst>
-      <p:par>
-        <p:cTn id="1" dur="indefinite" restart="never" nodeType="tmRoot"/>
-      </p:par>
-    </p:tnLst>
-  </p:timing>
 </p:sld>
 </file>
 
@@ -11247,7 +10934,7 @@
           <a:lstStyle/>
           <a:p>
             <a:r>
-              <a:rPr lang="it-IT" dirty="0" err="1" smtClean="0"/>
+              <a:rPr lang="it-IT" dirty="0" err="1"/>
               <a:t>Identification</a:t>
             </a:r>
             <a:endParaRPr lang="it-IT" dirty="0"/>
@@ -11276,7 +10963,7 @@
           <a:p>
             <a:pPr algn="ctr"/>
             <a:r>
-              <a:rPr lang="it-IT" sz="5400" b="1" dirty="0" err="1" smtClean="0">
+              <a:rPr lang="it-IT" sz="5400" b="1" dirty="0" err="1">
                 <a:solidFill>
                   <a:srgbClr val="FF0000"/>
                 </a:solidFill>
@@ -11287,7 +10974,7 @@
               <a:t>Validation</a:t>
             </a:r>
             <a:r>
-              <a:rPr lang="it-IT" sz="5400" b="1" dirty="0" smtClean="0">
+              <a:rPr lang="it-IT" sz="5400" b="1" dirty="0">
                 <a:solidFill>
                   <a:srgbClr val="FF0000"/>
                 </a:solidFill>
@@ -11298,7 +10985,7 @@
               <a:t> –  </a:t>
             </a:r>
             <a:r>
-              <a:rPr lang="it-IT" sz="5400" b="1" dirty="0" smtClean="0">
+              <a:rPr lang="it-IT" sz="5400" b="1" dirty="0">
                 <a:solidFill>
                   <a:srgbClr val="FF0000"/>
                 </a:solidFill>
@@ -11308,7 +10995,7 @@
               <a:t>1</a:t>
             </a:r>
             <a:r>
-              <a:rPr lang="it-IT" sz="5400" b="1" dirty="0" smtClean="0">
+              <a:rPr lang="it-IT" sz="5400" b="1" dirty="0">
                 <a:solidFill>
                   <a:srgbClr val="FF0000"/>
                 </a:solidFill>
@@ -11338,7 +11025,7 @@
           <p:nvPr/>
         </p:nvPicPr>
         <p:blipFill>
-          <a:blip r:embed="rId2">
+          <a:blip r:embed="rId2" cstate="email">
             <a:extLst>
               <a:ext uri="{28A0092B-C50C-407E-A947-70E740481C1C}">
                 <a14:useLocalDpi xmlns:a14="http://schemas.microsoft.com/office/drawing/2010/main" val="0"/>
@@ -11368,7 +11055,7 @@
           <p:nvPr/>
         </p:nvPicPr>
         <p:blipFill>
-          <a:blip r:embed="rId3">
+          <a:blip r:embed="rId3" cstate="email">
             <a:extLst>
               <a:ext uri="{28A0092B-C50C-407E-A947-70E740481C1C}">
                 <a14:useLocalDpi xmlns:a14="http://schemas.microsoft.com/office/drawing/2010/main" val="0"/>
@@ -11412,16 +11099,15 @@
           <a:lstStyle/>
           <a:p>
             <a:r>
-              <a:rPr lang="en-US" dirty="0" smtClean="0"/>
+              <a:rPr lang="en-US" dirty="0"/>
               <a:t>Used white noise for validation! Friction effects are still visible</a:t>
             </a:r>
           </a:p>
           <a:p>
             <a:r>
-              <a:rPr lang="en-US" dirty="0" smtClean="0"/>
+              <a:rPr lang="en-US" dirty="0"/>
               <a:t>85.42% of fit</a:t>
             </a:r>
-            <a:endParaRPr lang="en-US" dirty="0"/>
           </a:p>
         </p:txBody>
       </p:sp>
@@ -11435,13 +11121,6 @@
   <p:clrMapOvr>
     <a:masterClrMapping/>
   </p:clrMapOvr>
-  <p:timing>
-    <p:tnLst>
-      <p:par>
-        <p:cTn id="1" dur="indefinite" restart="never" nodeType="tmRoot"/>
-      </p:par>
-    </p:tnLst>
-  </p:timing>
 </p:sld>
 </file>
 
